--- a/[1.3] Czy-stan-zapalny-ma-wpływ-na-raka-płuca.pptx
+++ b/[1.3] Czy-stan-zapalny-ma-wpływ-na-raka-płuca.pptx
@@ -134,7 +134,7 @@
   </p:defaultTextStyle>
   <p:extLst>
     <p:ext uri="{EFAFB233-063F-42B5-8137-9DF3F51BA10A}">
-      <p15:sldGuideLst xmlns="" xmlns:p15="http://schemas.microsoft.com/office/powerpoint/2012/main">
+      <p15:sldGuideLst xmlns:p15="http://schemas.microsoft.com/office/powerpoint/2012/main">
         <p15:guide id="1" orient="horz" pos="2160">
           <p15:clr>
             <a:srgbClr val="A4A3A4"/>
@@ -282,7 +282,7 @@
             <a:fld id="{A1F85679-1472-4A9B-97D7-E2DEB0129FB2}" type="datetimeFigureOut">
               <a:rPr lang="pl-PL" smtClean="0"/>
               <a:pPr/>
-              <a:t>2017-12-07</a:t>
+              <a:t>08.12.2017</a:t>
             </a:fld>
             <a:endParaRPr lang="pl-PL"/>
           </a:p>
@@ -594,39 +594,39 @@
           <a:lstStyle/>
           <a:p>
             <a:r>
-              <a:rPr lang="pl-PL" dirty="0" smtClean="0"/>
+              <a:rPr lang="pl-PL" dirty="0"/>
               <a:t>Możliwe pytania:</a:t>
             </a:r>
             <a:br>
-              <a:rPr lang="pl-PL" dirty="0" smtClean="0"/>
+              <a:rPr lang="pl-PL" dirty="0"/>
             </a:br>
             <a:r>
-              <a:rPr lang="pl-PL" dirty="0" smtClean="0"/>
+              <a:rPr lang="pl-PL" dirty="0"/>
               <a:t>- czym są </a:t>
             </a:r>
             <a:r>
-              <a:rPr lang="pl-PL" dirty="0" err="1" smtClean="0"/>
+              <a:rPr lang="pl-PL" dirty="0" err="1"/>
               <a:t>egzosomy</a:t>
             </a:r>
             <a:r>
-              <a:rPr lang="pl-PL" dirty="0" smtClean="0"/>
+              <a:rPr lang="pl-PL" dirty="0"/>
               <a:t>?</a:t>
             </a:r>
           </a:p>
           <a:p>
             <a:r>
-              <a:rPr lang="pl-PL" dirty="0" smtClean="0"/>
+              <a:rPr lang="pl-PL" dirty="0"/>
               <a:t>-</a:t>
             </a:r>
             <a:r>
-              <a:rPr lang="pl-PL" baseline="0" dirty="0" smtClean="0"/>
+              <a:rPr lang="pl-PL" baseline="0" dirty="0"/>
               <a:t> Izolacja </a:t>
             </a:r>
             <a:r>
-              <a:rPr lang="pl-PL" baseline="0" dirty="0" err="1" smtClean="0"/>
+              <a:rPr lang="pl-PL" baseline="0" dirty="0" err="1"/>
               <a:t>egzosomów</a:t>
             </a:r>
-            <a:endParaRPr lang="pl-PL" dirty="0" smtClean="0"/>
+            <a:endParaRPr lang="pl-PL" dirty="0"/>
           </a:p>
           <a:p>
             <a:pPr>
@@ -634,15 +634,15 @@
               <a:buChar char="-"/>
             </a:pPr>
             <a:r>
-              <a:rPr lang="pl-PL" dirty="0" smtClean="0"/>
+              <a:rPr lang="pl-PL" dirty="0"/>
               <a:t>Jak działa </a:t>
             </a:r>
             <a:r>
-              <a:rPr lang="pl-PL" dirty="0" err="1" smtClean="0"/>
+              <a:rPr lang="pl-PL" dirty="0" err="1"/>
               <a:t>microRNA</a:t>
             </a:r>
             <a:r>
-              <a:rPr lang="pl-PL" dirty="0" smtClean="0"/>
+              <a:rPr lang="pl-PL" dirty="0"/>
               <a:t>?</a:t>
             </a:r>
           </a:p>
@@ -755,7 +755,7 @@
     </p:spTree>
     <p:extLst>
       <p:ext uri="{BB962C8B-B14F-4D97-AF65-F5344CB8AC3E}">
-        <p14:creationId xmlns="" xmlns:p14="http://schemas.microsoft.com/office/powerpoint/2010/main" val="1613449218"/>
+        <p14:creationId xmlns:p14="http://schemas.microsoft.com/office/powerpoint/2010/main" val="1613449218"/>
       </p:ext>
     </p:extLst>
   </p:cSld>
@@ -840,7 +840,7 @@
     </p:spTree>
     <p:extLst>
       <p:ext uri="{BB962C8B-B14F-4D97-AF65-F5344CB8AC3E}">
-        <p14:creationId xmlns="" xmlns:p14="http://schemas.microsoft.com/office/powerpoint/2010/main" val="1829093300"/>
+        <p14:creationId xmlns:p14="http://schemas.microsoft.com/office/powerpoint/2010/main" val="1829093300"/>
       </p:ext>
     </p:extLst>
   </p:cSld>
@@ -1884,7 +1884,7 @@
     </p:spTree>
     <p:extLst>
       <p:ext uri="{BB962C8B-B14F-4D97-AF65-F5344CB8AC3E}">
-        <p14:creationId xmlns="" xmlns:p14="http://schemas.microsoft.com/office/powerpoint/2010/main" val="2471443564"/>
+        <p14:creationId xmlns:p14="http://schemas.microsoft.com/office/powerpoint/2010/main" val="2471443564"/>
       </p:ext>
     </p:extLst>
   </p:cSld>
@@ -2074,7 +2074,7 @@
             <a:fld id="{66221E02-25CB-4963-84BC-0813985E7D90}" type="datetimeFigureOut">
               <a:rPr lang="pl-PL" smtClean="0"/>
               <a:pPr/>
-              <a:t>2017-12-07</a:t>
+              <a:t>08.12.2017</a:t>
             </a:fld>
             <a:endParaRPr lang="pl-PL"/>
           </a:p>
@@ -2239,7 +2239,7 @@
             <a:fld id="{66221E02-25CB-4963-84BC-0813985E7D90}" type="datetimeFigureOut">
               <a:rPr lang="pl-PL" smtClean="0"/>
               <a:pPr/>
-              <a:t>2017-12-07</a:t>
+              <a:t>08.12.2017</a:t>
             </a:fld>
             <a:endParaRPr lang="pl-PL"/>
           </a:p>
@@ -2414,7 +2414,7 @@
             <a:fld id="{66221E02-25CB-4963-84BC-0813985E7D90}" type="datetimeFigureOut">
               <a:rPr lang="pl-PL" smtClean="0"/>
               <a:pPr/>
-              <a:t>2017-12-07</a:t>
+              <a:t>08.12.2017</a:t>
             </a:fld>
             <a:endParaRPr lang="pl-PL"/>
           </a:p>
@@ -2579,7 +2579,7 @@
             <a:fld id="{66221E02-25CB-4963-84BC-0813985E7D90}" type="datetimeFigureOut">
               <a:rPr lang="pl-PL" smtClean="0"/>
               <a:pPr/>
-              <a:t>2017-12-07</a:t>
+              <a:t>08.12.2017</a:t>
             </a:fld>
             <a:endParaRPr lang="pl-PL"/>
           </a:p>
@@ -2821,7 +2821,7 @@
             <a:fld id="{66221E02-25CB-4963-84BC-0813985E7D90}" type="datetimeFigureOut">
               <a:rPr lang="pl-PL" smtClean="0"/>
               <a:pPr/>
-              <a:t>2017-12-07</a:t>
+              <a:t>08.12.2017</a:t>
             </a:fld>
             <a:endParaRPr lang="pl-PL"/>
           </a:p>
@@ -3103,7 +3103,7 @@
             <a:fld id="{66221E02-25CB-4963-84BC-0813985E7D90}" type="datetimeFigureOut">
               <a:rPr lang="pl-PL" smtClean="0"/>
               <a:pPr/>
-              <a:t>2017-12-07</a:t>
+              <a:t>08.12.2017</a:t>
             </a:fld>
             <a:endParaRPr lang="pl-PL"/>
           </a:p>
@@ -3519,7 +3519,7 @@
             <a:fld id="{66221E02-25CB-4963-84BC-0813985E7D90}" type="datetimeFigureOut">
               <a:rPr lang="pl-PL" smtClean="0"/>
               <a:pPr/>
-              <a:t>2017-12-07</a:t>
+              <a:t>08.12.2017</a:t>
             </a:fld>
             <a:endParaRPr lang="pl-PL"/>
           </a:p>
@@ -3633,7 +3633,7 @@
             <a:fld id="{66221E02-25CB-4963-84BC-0813985E7D90}" type="datetimeFigureOut">
               <a:rPr lang="pl-PL" smtClean="0"/>
               <a:pPr/>
-              <a:t>2017-12-07</a:t>
+              <a:t>08.12.2017</a:t>
             </a:fld>
             <a:endParaRPr lang="pl-PL"/>
           </a:p>
@@ -3725,7 +3725,7 @@
             <a:fld id="{66221E02-25CB-4963-84BC-0813985E7D90}" type="datetimeFigureOut">
               <a:rPr lang="pl-PL" smtClean="0"/>
               <a:pPr/>
-              <a:t>2017-12-07</a:t>
+              <a:t>08.12.2017</a:t>
             </a:fld>
             <a:endParaRPr lang="pl-PL"/>
           </a:p>
@@ -3997,7 +3997,7 @@
             <a:fld id="{66221E02-25CB-4963-84BC-0813985E7D90}" type="datetimeFigureOut">
               <a:rPr lang="pl-PL" smtClean="0"/>
               <a:pPr/>
-              <a:t>2017-12-07</a:t>
+              <a:t>08.12.2017</a:t>
             </a:fld>
             <a:endParaRPr lang="pl-PL"/>
           </a:p>
@@ -4246,7 +4246,7 @@
             <a:fld id="{66221E02-25CB-4963-84BC-0813985E7D90}" type="datetimeFigureOut">
               <a:rPr lang="pl-PL" smtClean="0"/>
               <a:pPr/>
-              <a:t>2017-12-07</a:t>
+              <a:t>08.12.2017</a:t>
             </a:fld>
             <a:endParaRPr lang="pl-PL"/>
           </a:p>
@@ -4454,7 +4454,7 @@
             <a:fld id="{66221E02-25CB-4963-84BC-0813985E7D90}" type="datetimeFigureOut">
               <a:rPr lang="pl-PL" smtClean="0"/>
               <a:pPr/>
-              <a:t>2017-12-07</a:t>
+              <a:t>08.12.2017</a:t>
             </a:fld>
             <a:endParaRPr lang="pl-PL"/>
           </a:p>
@@ -4841,10 +4841,9 @@
           <a:lstStyle/>
           <a:p>
             <a:r>
-              <a:rPr lang="pl-PL" dirty="0" smtClean="0"/>
+              <a:rPr lang="pl-PL" dirty="0"/>
               <a:t>Poprawić</a:t>
             </a:r>
-            <a:endParaRPr lang="pl-PL" dirty="0"/>
           </a:p>
         </p:txBody>
       </p:sp>
@@ -4864,7 +4863,7 @@
           <a:lstStyle/>
           <a:p>
             <a:r>
-              <a:rPr lang="pl-PL" dirty="0" smtClean="0">
+              <a:rPr lang="pl-PL" dirty="0">
                 <a:solidFill>
                   <a:srgbClr val="FF0000"/>
                 </a:solidFill>
@@ -4872,7 +4871,7 @@
               <a:t>Tabela (slajd 5) zmienić </a:t>
             </a:r>
             <a:r>
-              <a:rPr lang="pl-PL" dirty="0" err="1" smtClean="0">
+              <a:rPr lang="pl-PL" dirty="0" err="1">
                 <a:solidFill>
                   <a:srgbClr val="FF0000"/>
                 </a:solidFill>
@@ -4880,7 +4879,7 @@
               <a:t>cTNM</a:t>
             </a:r>
             <a:r>
-              <a:rPr lang="pl-PL" dirty="0" smtClean="0">
+              <a:rPr lang="pl-PL" dirty="0">
                 <a:solidFill>
                   <a:srgbClr val="FF0000"/>
                 </a:solidFill>
@@ -4888,14 +4887,14 @@
               <a:t> na </a:t>
             </a:r>
             <a:r>
-              <a:rPr lang="pl-PL" dirty="0" err="1" smtClean="0">
+              <a:rPr lang="pl-PL" dirty="0" err="1">
                 <a:solidFill>
                   <a:srgbClr val="FF0000"/>
                 </a:solidFill>
               </a:rPr>
               <a:t>pTNM</a:t>
             </a:r>
-            <a:endParaRPr lang="pl-PL" dirty="0" smtClean="0">
+            <a:endParaRPr lang="pl-PL" dirty="0">
               <a:solidFill>
                 <a:srgbClr val="FF0000"/>
               </a:solidFill>
@@ -4903,30 +4902,30 @@
           </a:p>
           <a:p>
             <a:r>
-              <a:rPr lang="pl-PL" dirty="0" smtClean="0"/>
+              <a:rPr lang="pl-PL" dirty="0"/>
               <a:t>W tabeli (slajd 8) dopisać sondy dla genów!</a:t>
             </a:r>
           </a:p>
           <a:p>
             <a:r>
-              <a:rPr lang="pl-PL" dirty="0" smtClean="0"/>
+              <a:rPr lang="pl-PL" dirty="0"/>
               <a:t>Slajd 14 – grafika!</a:t>
             </a:r>
           </a:p>
           <a:p>
             <a:r>
-              <a:rPr lang="pl-PL" b="1" dirty="0" smtClean="0"/>
+              <a:rPr lang="pl-PL" b="1" dirty="0"/>
               <a:t>Slajdy pomocnicze:</a:t>
             </a:r>
             <a:br>
-              <a:rPr lang="pl-PL" b="1" dirty="0" smtClean="0"/>
+              <a:rPr lang="pl-PL" b="1" dirty="0"/>
             </a:br>
             <a:r>
-              <a:rPr lang="pl-PL" dirty="0" smtClean="0"/>
+              <a:rPr lang="pl-PL" dirty="0"/>
               <a:t>	- </a:t>
             </a:r>
             <a:r>
-              <a:rPr lang="pl-PL" dirty="0" smtClean="0">
+              <a:rPr lang="pl-PL" dirty="0">
                 <a:solidFill>
                   <a:srgbClr val="FF0000"/>
                 </a:solidFill>
@@ -4934,7 +4933,7 @@
               <a:t>global </a:t>
             </a:r>
             <a:r>
-              <a:rPr lang="pl-PL" dirty="0" err="1" smtClean="0">
+              <a:rPr lang="pl-PL" dirty="0" err="1">
                 <a:solidFill>
                   <a:srgbClr val="FF0000"/>
                 </a:solidFill>
@@ -4942,7 +4941,7 @@
               <a:t>normalisation</a:t>
             </a:r>
             <a:r>
-              <a:rPr lang="pl-PL" dirty="0" smtClean="0">
+              <a:rPr lang="pl-PL" dirty="0">
                 <a:solidFill>
                   <a:srgbClr val="FF0000"/>
                 </a:solidFill>
@@ -4953,7 +4952,7 @@
           <a:p>
             <a:pPr lvl="2"/>
             <a:r>
-              <a:rPr lang="pl-PL" b="1" dirty="0" smtClean="0">
+              <a:rPr lang="pl-PL" b="1" dirty="0">
                 <a:solidFill>
                   <a:srgbClr val="FF0000"/>
                 </a:solidFill>
@@ -4961,7 +4960,7 @@
               <a:t>Skala </a:t>
             </a:r>
             <a:r>
-              <a:rPr lang="pl-PL" b="1" dirty="0" err="1" smtClean="0">
+              <a:rPr lang="pl-PL" b="1" dirty="0" err="1">
                 <a:solidFill>
                   <a:srgbClr val="FF0000"/>
                 </a:solidFill>
@@ -4969,7 +4968,7 @@
               <a:t>pTNM</a:t>
             </a:r>
             <a:r>
-              <a:rPr lang="pl-PL" b="1" dirty="0" smtClean="0">
+              <a:rPr lang="pl-PL" b="1" dirty="0">
                 <a:solidFill>
                   <a:srgbClr val="FF0000"/>
                 </a:solidFill>
@@ -4980,7 +4979,7 @@
           <a:p>
             <a:pPr lvl="2"/>
             <a:r>
-              <a:rPr lang="pl-PL" b="1" dirty="0" smtClean="0">
+              <a:rPr lang="pl-PL" b="1" dirty="0">
                 <a:solidFill>
                   <a:srgbClr val="FF0000"/>
                 </a:solidFill>
@@ -4988,7 +4987,7 @@
               <a:t>AJCC – </a:t>
             </a:r>
             <a:r>
-              <a:rPr lang="pl-PL" dirty="0" smtClean="0">
+              <a:rPr lang="pl-PL" dirty="0">
                 <a:solidFill>
                   <a:srgbClr val="FF0000"/>
                 </a:solidFill>
@@ -5008,13 +5007,6 @@
   <p:clrMapOvr>
     <a:masterClrMapping/>
   </p:clrMapOvr>
-  <p:timing>
-    <p:tnLst>
-      <p:par>
-        <p:cTn id="1" dur="indefinite" restart="never" nodeType="tmRoot"/>
-      </p:par>
-    </p:tnLst>
-  </p:timing>
 </p:sld>
 </file>
 
@@ -5040,7 +5032,7 @@
           <p:cNvPr id="8" name="pole tekstowe 7">
             <a:extLst>
               <a:ext uri="{FF2B5EF4-FFF2-40B4-BE49-F238E27FC236}">
-                <a16:creationId xmlns="" xmlns:a16="http://schemas.microsoft.com/office/drawing/2014/main" id="{6D933E18-258C-4D66-A13D-3F584E0AB4E0}"/>
+                <a16:creationId xmlns:a16="http://schemas.microsoft.com/office/drawing/2014/main" id="{6D933E18-258C-4D66-A13D-3F584E0AB4E0}"/>
               </a:ext>
             </a:extLst>
           </p:cNvPr>
@@ -5140,7 +5132,7 @@
           <p:cNvPr id="9" name="pole tekstowe 8">
             <a:extLst>
               <a:ext uri="{FF2B5EF4-FFF2-40B4-BE49-F238E27FC236}">
-                <a16:creationId xmlns="" xmlns:a16="http://schemas.microsoft.com/office/drawing/2014/main" id="{DC72D0B3-5C1D-4ECE-ACAC-224B5E77C8BD}"/>
+                <a16:creationId xmlns:a16="http://schemas.microsoft.com/office/drawing/2014/main" id="{DC72D0B3-5C1D-4ECE-ACAC-224B5E77C8BD}"/>
               </a:ext>
             </a:extLst>
           </p:cNvPr>
@@ -5240,7 +5232,7 @@
           <p:cNvPr id="3" name="Obiekt 2">
             <a:extLst>
               <a:ext uri="{FF2B5EF4-FFF2-40B4-BE49-F238E27FC236}">
-                <a16:creationId xmlns="" xmlns:a16="http://schemas.microsoft.com/office/drawing/2014/main" id="{230716D9-4083-4AB3-9832-DDEFD139A8FA}"/>
+                <a16:creationId xmlns:a16="http://schemas.microsoft.com/office/drawing/2014/main" id="{230716D9-4083-4AB3-9832-DDEFD139A8FA}"/>
               </a:ext>
             </a:extLst>
           </p:cNvPr>
@@ -5250,7 +5242,7 @@
           <p:nvPr>
             <p:extLst>
               <p:ext uri="{D42A27DB-BD31-4B8C-83A1-F6EECF244321}">
-                <p14:modId xmlns="" xmlns:p14="http://schemas.microsoft.com/office/powerpoint/2010/main" val="1144702150"/>
+                <p14:modId xmlns:p14="http://schemas.microsoft.com/office/powerpoint/2010/main" val="1144702150"/>
               </p:ext>
             </p:extLst>
           </p:nvPr>
@@ -5261,9 +5253,59 @@
         </p:xfrm>
         <a:graphic>
           <a:graphicData uri="http://schemas.openxmlformats.org/presentationml/2006/ole">
-            <p:oleObj spid="_x0000_s1032" name="Graph" r:id="rId4" imgW="5943600" imgH="4462200" progId="Statistica.Graph">
-              <p:embed/>
-            </p:oleObj>
+            <mc:AlternateContent xmlns:mc="http://schemas.openxmlformats.org/markup-compatibility/2006">
+              <mc:Choice xmlns:v="urn:schemas-microsoft-com:vml" Requires="v">
+                <p:oleObj spid="_x0000_s1040" name="Graph" r:id="rId4" imgW="5943600" imgH="4462200" progId="Statistica.Graph">
+                  <p:embed/>
+                </p:oleObj>
+              </mc:Choice>
+              <mc:Fallback>
+                <p:oleObj name="Graph" r:id="rId4" imgW="5943600" imgH="4462200" progId="Statistica.Graph">
+                  <p:embed/>
+                  <p:pic>
+                    <p:nvPicPr>
+                      <p:cNvPr id="0" name="Picture 8"/>
+                      <p:cNvPicPr>
+                        <a:picLocks noChangeAspect="1" noChangeArrowheads="1"/>
+                      </p:cNvPicPr>
+                      <p:nvPr/>
+                    </p:nvPicPr>
+                    <p:blipFill>
+                      <a:blip r:embed="rId5">
+                        <a:extLst>
+                          <a:ext uri="{28A0092B-C50C-407E-A947-70E740481C1C}">
+                            <a14:useLocalDpi xmlns:a14="http://schemas.microsoft.com/office/drawing/2010/main" val="0"/>
+                          </a:ext>
+                        </a:extLst>
+                      </a:blip>
+                      <a:srcRect/>
+                      <a:stretch>
+                        <a:fillRect/>
+                      </a:stretch>
+                    </p:blipFill>
+                    <p:spPr bwMode="auto">
+                      <a:xfrm>
+                        <a:off x="142458" y="345885"/>
+                        <a:ext cx="3644108" cy="2736000"/>
+                      </a:xfrm>
+                      <a:prstGeom prst="rect">
+                        <a:avLst/>
+                      </a:prstGeom>
+                      <a:noFill/>
+                      <a:extLst>
+                        <a:ext uri="{909E8E84-426E-40DD-AFC4-6F175D3DCCD1}">
+                          <a14:hiddenFill xmlns:a14="http://schemas.microsoft.com/office/drawing/2010/main">
+                            <a:solidFill>
+                              <a:srgbClr val="FFFFFF"/>
+                            </a:solidFill>
+                          </a14:hiddenFill>
+                        </a:ext>
+                      </a:extLst>
+                    </p:spPr>
+                  </p:pic>
+                </p:oleObj>
+              </mc:Fallback>
+            </mc:AlternateContent>
           </a:graphicData>
         </a:graphic>
       </p:graphicFrame>
@@ -5272,7 +5314,7 @@
           <p:cNvPr id="27" name="Grupa 26">
             <a:extLst>
               <a:ext uri="{FF2B5EF4-FFF2-40B4-BE49-F238E27FC236}">
-                <a16:creationId xmlns="" xmlns:a16="http://schemas.microsoft.com/office/drawing/2014/main" id="{2217D796-721D-4E2F-A570-D2EB58CAC3F2}"/>
+                <a16:creationId xmlns:a16="http://schemas.microsoft.com/office/drawing/2014/main" id="{2217D796-721D-4E2F-A570-D2EB58CAC3F2}"/>
               </a:ext>
             </a:extLst>
           </p:cNvPr>
@@ -5292,7 +5334,7 @@
             <p:cNvPr id="28" name="Łącznik prosty ze strzałką 27">
               <a:extLst>
                 <a:ext uri="{FF2B5EF4-FFF2-40B4-BE49-F238E27FC236}">
-                  <a16:creationId xmlns="" xmlns:a16="http://schemas.microsoft.com/office/drawing/2014/main" id="{4EA35BB9-0447-4BEE-8C3E-54110F4FA3F0}"/>
+                  <a16:creationId xmlns:a16="http://schemas.microsoft.com/office/drawing/2014/main" id="{4EA35BB9-0447-4BEE-8C3E-54110F4FA3F0}"/>
                 </a:ext>
               </a:extLst>
             </p:cNvPr>
@@ -5336,7 +5378,7 @@
             <p:cNvPr id="30" name="Łącznik prosty ze strzałką 29">
               <a:extLst>
                 <a:ext uri="{FF2B5EF4-FFF2-40B4-BE49-F238E27FC236}">
-                  <a16:creationId xmlns="" xmlns:a16="http://schemas.microsoft.com/office/drawing/2014/main" id="{E53C19C7-0A42-490B-AA98-6E196110C6AF}"/>
+                  <a16:creationId xmlns:a16="http://schemas.microsoft.com/office/drawing/2014/main" id="{E53C19C7-0A42-490B-AA98-6E196110C6AF}"/>
                 </a:ext>
               </a:extLst>
             </p:cNvPr>
@@ -5380,7 +5422,7 @@
             <p:cNvPr id="31" name="pole tekstowe 30">
               <a:extLst>
                 <a:ext uri="{FF2B5EF4-FFF2-40B4-BE49-F238E27FC236}">
-                  <a16:creationId xmlns="" xmlns:a16="http://schemas.microsoft.com/office/drawing/2014/main" id="{B86BB8DC-0F64-40AD-8CBF-26F2107B9807}"/>
+                  <a16:creationId xmlns:a16="http://schemas.microsoft.com/office/drawing/2014/main" id="{B86BB8DC-0F64-40AD-8CBF-26F2107B9807}"/>
                 </a:ext>
               </a:extLst>
             </p:cNvPr>
@@ -5415,7 +5457,7 @@
             <p:cNvPr id="29" name="Łącznik prosty 28">
               <a:extLst>
                 <a:ext uri="{FF2B5EF4-FFF2-40B4-BE49-F238E27FC236}">
-                  <a16:creationId xmlns="" xmlns:a16="http://schemas.microsoft.com/office/drawing/2014/main" id="{69780187-51D2-4796-9820-AD7C572C9817}"/>
+                  <a16:creationId xmlns:a16="http://schemas.microsoft.com/office/drawing/2014/main" id="{69780187-51D2-4796-9820-AD7C572C9817}"/>
                 </a:ext>
               </a:extLst>
             </p:cNvPr>
@@ -5459,7 +5501,7 @@
           <p:cNvPr id="4" name="Obiekt 3">
             <a:extLst>
               <a:ext uri="{FF2B5EF4-FFF2-40B4-BE49-F238E27FC236}">
-                <a16:creationId xmlns="" xmlns:a16="http://schemas.microsoft.com/office/drawing/2014/main" id="{3CEA2829-7603-48B3-8627-1049D2096825}"/>
+                <a16:creationId xmlns:a16="http://schemas.microsoft.com/office/drawing/2014/main" id="{3CEA2829-7603-48B3-8627-1049D2096825}"/>
               </a:ext>
             </a:extLst>
           </p:cNvPr>
@@ -5469,7 +5511,7 @@
           <p:nvPr>
             <p:extLst>
               <p:ext uri="{D42A27DB-BD31-4B8C-83A1-F6EECF244321}">
-                <p14:modId xmlns="" xmlns:p14="http://schemas.microsoft.com/office/powerpoint/2010/main" val="2199694591"/>
+                <p14:modId xmlns:p14="http://schemas.microsoft.com/office/powerpoint/2010/main" val="2199694591"/>
               </p:ext>
             </p:extLst>
           </p:nvPr>
@@ -5480,9 +5522,59 @@
         </p:xfrm>
         <a:graphic>
           <a:graphicData uri="http://schemas.openxmlformats.org/presentationml/2006/ole">
-            <p:oleObj spid="_x0000_s1033" name="Graph" r:id="rId5" imgW="5943600" imgH="4462200" progId="Statistica.Graph">
-              <p:embed/>
-            </p:oleObj>
+            <mc:AlternateContent xmlns:mc="http://schemas.openxmlformats.org/markup-compatibility/2006">
+              <mc:Choice xmlns:v="urn:schemas-microsoft-com:vml" Requires="v">
+                <p:oleObj spid="_x0000_s1041" name="Graph" r:id="rId6" imgW="5943600" imgH="4462200" progId="Statistica.Graph">
+                  <p:embed/>
+                </p:oleObj>
+              </mc:Choice>
+              <mc:Fallback>
+                <p:oleObj name="Graph" r:id="rId6" imgW="5943600" imgH="4462200" progId="Statistica.Graph">
+                  <p:embed/>
+                  <p:pic>
+                    <p:nvPicPr>
+                      <p:cNvPr id="0" name="Picture 9"/>
+                      <p:cNvPicPr>
+                        <a:picLocks noChangeAspect="1" noChangeArrowheads="1"/>
+                      </p:cNvPicPr>
+                      <p:nvPr/>
+                    </p:nvPicPr>
+                    <p:blipFill>
+                      <a:blip r:embed="rId7">
+                        <a:extLst>
+                          <a:ext uri="{28A0092B-C50C-407E-A947-70E740481C1C}">
+                            <a14:useLocalDpi xmlns:a14="http://schemas.microsoft.com/office/drawing/2010/main" val="0"/>
+                          </a:ext>
+                        </a:extLst>
+                      </a:blip>
+                      <a:srcRect/>
+                      <a:stretch>
+                        <a:fillRect/>
+                      </a:stretch>
+                    </p:blipFill>
+                    <p:spPr bwMode="auto">
+                      <a:xfrm>
+                        <a:off x="4390930" y="3559805"/>
+                        <a:ext cx="3644107" cy="2736000"/>
+                      </a:xfrm>
+                      <a:prstGeom prst="rect">
+                        <a:avLst/>
+                      </a:prstGeom>
+                      <a:noFill/>
+                      <a:extLst>
+                        <a:ext uri="{909E8E84-426E-40DD-AFC4-6F175D3DCCD1}">
+                          <a14:hiddenFill xmlns:a14="http://schemas.microsoft.com/office/drawing/2010/main">
+                            <a:solidFill>
+                              <a:srgbClr val="FFFFFF"/>
+                            </a:solidFill>
+                          </a14:hiddenFill>
+                        </a:ext>
+                      </a:extLst>
+                    </p:spPr>
+                  </p:pic>
+                </p:oleObj>
+              </mc:Fallback>
+            </mc:AlternateContent>
           </a:graphicData>
         </a:graphic>
       </p:graphicFrame>
@@ -5491,7 +5583,7 @@
           <p:cNvPr id="33" name="Grupa 32">
             <a:extLst>
               <a:ext uri="{FF2B5EF4-FFF2-40B4-BE49-F238E27FC236}">
-                <a16:creationId xmlns="" xmlns:a16="http://schemas.microsoft.com/office/drawing/2014/main" id="{51F1E5BC-6999-4922-BB3C-2E286FFD5900}"/>
+                <a16:creationId xmlns:a16="http://schemas.microsoft.com/office/drawing/2014/main" id="{51F1E5BC-6999-4922-BB3C-2E286FFD5900}"/>
               </a:ext>
             </a:extLst>
           </p:cNvPr>
@@ -5511,7 +5603,7 @@
             <p:cNvPr id="34" name="Łącznik prosty ze strzałką 33">
               <a:extLst>
                 <a:ext uri="{FF2B5EF4-FFF2-40B4-BE49-F238E27FC236}">
-                  <a16:creationId xmlns="" xmlns:a16="http://schemas.microsoft.com/office/drawing/2014/main" id="{890860EF-825E-4186-977A-4CAD520D5709}"/>
+                  <a16:creationId xmlns:a16="http://schemas.microsoft.com/office/drawing/2014/main" id="{890860EF-825E-4186-977A-4CAD520D5709}"/>
                 </a:ext>
               </a:extLst>
             </p:cNvPr>
@@ -5555,7 +5647,7 @@
             <p:cNvPr id="35" name="Łącznik prosty 34">
               <a:extLst>
                 <a:ext uri="{FF2B5EF4-FFF2-40B4-BE49-F238E27FC236}">
-                  <a16:creationId xmlns="" xmlns:a16="http://schemas.microsoft.com/office/drawing/2014/main" id="{EBCE9FEE-4880-4B06-9500-548787858707}"/>
+                  <a16:creationId xmlns:a16="http://schemas.microsoft.com/office/drawing/2014/main" id="{EBCE9FEE-4880-4B06-9500-548787858707}"/>
                 </a:ext>
               </a:extLst>
             </p:cNvPr>
@@ -5598,7 +5690,7 @@
             <p:cNvPr id="36" name="Łącznik prosty ze strzałką 35">
               <a:extLst>
                 <a:ext uri="{FF2B5EF4-FFF2-40B4-BE49-F238E27FC236}">
-                  <a16:creationId xmlns="" xmlns:a16="http://schemas.microsoft.com/office/drawing/2014/main" id="{8D34F59A-34FF-4A82-A3F6-9F006CAB7AB9}"/>
+                  <a16:creationId xmlns:a16="http://schemas.microsoft.com/office/drawing/2014/main" id="{8D34F59A-34FF-4A82-A3F6-9F006CAB7AB9}"/>
                 </a:ext>
               </a:extLst>
             </p:cNvPr>
@@ -5642,7 +5734,7 @@
             <p:cNvPr id="37" name="pole tekstowe 36">
               <a:extLst>
                 <a:ext uri="{FF2B5EF4-FFF2-40B4-BE49-F238E27FC236}">
-                  <a16:creationId xmlns="" xmlns:a16="http://schemas.microsoft.com/office/drawing/2014/main" id="{01313A9D-F0B5-4096-B7BC-DFFB108DB8C9}"/>
+                  <a16:creationId xmlns:a16="http://schemas.microsoft.com/office/drawing/2014/main" id="{01313A9D-F0B5-4096-B7BC-DFFB108DB8C9}"/>
                 </a:ext>
               </a:extLst>
             </p:cNvPr>
@@ -5676,20 +5768,13 @@
     </p:spTree>
     <p:extLst>
       <p:ext uri="{BB962C8B-B14F-4D97-AF65-F5344CB8AC3E}">
-        <p14:creationId xmlns="" xmlns:p14="http://schemas.microsoft.com/office/powerpoint/2010/main" val="283562190"/>
+        <p14:creationId xmlns:p14="http://schemas.microsoft.com/office/powerpoint/2010/main" val="283562190"/>
       </p:ext>
     </p:extLst>
   </p:cSld>
   <p:clrMapOvr>
     <a:masterClrMapping/>
   </p:clrMapOvr>
-  <p:timing>
-    <p:tnLst>
-      <p:par>
-        <p:cTn id="1" dur="indefinite" restart="never" nodeType="tmRoot"/>
-      </p:par>
-    </p:tnLst>
-  </p:timing>
 </p:sld>
 </file>
 
@@ -5715,7 +5800,7 @@
           <p:cNvPr id="7" name="pole tekstowe 6">
             <a:extLst>
               <a:ext uri="{FF2B5EF4-FFF2-40B4-BE49-F238E27FC236}">
-                <a16:creationId xmlns="" xmlns:a16="http://schemas.microsoft.com/office/drawing/2014/main" id="{0FDDEAE6-85FE-4F39-8D84-9E252DD4B391}"/>
+                <a16:creationId xmlns:a16="http://schemas.microsoft.com/office/drawing/2014/main" id="{0FDDEAE6-85FE-4F39-8D84-9E252DD4B391}"/>
               </a:ext>
             </a:extLst>
           </p:cNvPr>
@@ -5839,7 +5924,7 @@
           <p:cNvPr id="8" name="pole tekstowe 7">
             <a:extLst>
               <a:ext uri="{FF2B5EF4-FFF2-40B4-BE49-F238E27FC236}">
-                <a16:creationId xmlns="" xmlns:a16="http://schemas.microsoft.com/office/drawing/2014/main" id="{A8F4C059-1BC2-45D7-84D5-75E411D066D7}"/>
+                <a16:creationId xmlns:a16="http://schemas.microsoft.com/office/drawing/2014/main" id="{A8F4C059-1BC2-45D7-84D5-75E411D066D7}"/>
               </a:ext>
             </a:extLst>
           </p:cNvPr>
@@ -5963,7 +6048,7 @@
           <p:cNvPr id="2" name="Obiekt 1">
             <a:extLst>
               <a:ext uri="{FF2B5EF4-FFF2-40B4-BE49-F238E27FC236}">
-                <a16:creationId xmlns="" xmlns:a16="http://schemas.microsoft.com/office/drawing/2014/main" id="{F81CA7E2-0CD6-44C0-AC83-19CBB09348DB}"/>
+                <a16:creationId xmlns:a16="http://schemas.microsoft.com/office/drawing/2014/main" id="{F81CA7E2-0CD6-44C0-AC83-19CBB09348DB}"/>
               </a:ext>
             </a:extLst>
           </p:cNvPr>
@@ -5973,7 +6058,7 @@
           <p:nvPr>
             <p:extLst>
               <p:ext uri="{D42A27DB-BD31-4B8C-83A1-F6EECF244321}">
-                <p14:modId xmlns="" xmlns:p14="http://schemas.microsoft.com/office/powerpoint/2010/main" val="778868618"/>
+                <p14:modId xmlns:p14="http://schemas.microsoft.com/office/powerpoint/2010/main" val="778868618"/>
               </p:ext>
             </p:extLst>
           </p:nvPr>
@@ -5984,9 +6069,59 @@
         </p:xfrm>
         <a:graphic>
           <a:graphicData uri="http://schemas.openxmlformats.org/presentationml/2006/ole">
-            <p:oleObj spid="_x0000_s3082" name="Graph" r:id="rId4" imgW="5943600" imgH="4462200" progId="Statistica.Graph">
-              <p:embed/>
-            </p:oleObj>
+            <mc:AlternateContent xmlns:mc="http://schemas.openxmlformats.org/markup-compatibility/2006">
+              <mc:Choice xmlns:v="urn:schemas-microsoft-com:vml" Requires="v">
+                <p:oleObj spid="_x0000_s3090" name="Graph" r:id="rId4" imgW="5943600" imgH="4462200" progId="Statistica.Graph">
+                  <p:embed/>
+                </p:oleObj>
+              </mc:Choice>
+              <mc:Fallback>
+                <p:oleObj name="Graph" r:id="rId4" imgW="5943600" imgH="4462200" progId="Statistica.Graph">
+                  <p:embed/>
+                  <p:pic>
+                    <p:nvPicPr>
+                      <p:cNvPr id="0" name="Picture 10"/>
+                      <p:cNvPicPr>
+                        <a:picLocks noChangeAspect="1" noChangeArrowheads="1"/>
+                      </p:cNvPicPr>
+                      <p:nvPr/>
+                    </p:nvPicPr>
+                    <p:blipFill>
+                      <a:blip r:embed="rId5">
+                        <a:extLst>
+                          <a:ext uri="{28A0092B-C50C-407E-A947-70E740481C1C}">
+                            <a14:useLocalDpi xmlns:a14="http://schemas.microsoft.com/office/drawing/2010/main" val="0"/>
+                          </a:ext>
+                        </a:extLst>
+                      </a:blip>
+                      <a:srcRect/>
+                      <a:stretch>
+                        <a:fillRect/>
+                      </a:stretch>
+                    </p:blipFill>
+                    <p:spPr bwMode="auto">
+                      <a:xfrm>
+                        <a:off x="30496" y="203191"/>
+                        <a:ext cx="4603083" cy="3456000"/>
+                      </a:xfrm>
+                      <a:prstGeom prst="rect">
+                        <a:avLst/>
+                      </a:prstGeom>
+                      <a:noFill/>
+                      <a:extLst>
+                        <a:ext uri="{909E8E84-426E-40DD-AFC4-6F175D3DCCD1}">
+                          <a14:hiddenFill xmlns:a14="http://schemas.microsoft.com/office/drawing/2010/main">
+                            <a:solidFill>
+                              <a:srgbClr val="FFFFFF"/>
+                            </a:solidFill>
+                          </a14:hiddenFill>
+                        </a:ext>
+                      </a:extLst>
+                    </p:spPr>
+                  </p:pic>
+                </p:oleObj>
+              </mc:Fallback>
+            </mc:AlternateContent>
           </a:graphicData>
         </a:graphic>
       </p:graphicFrame>
@@ -5995,7 +6130,7 @@
           <p:cNvPr id="3" name="Obiekt 2">
             <a:extLst>
               <a:ext uri="{FF2B5EF4-FFF2-40B4-BE49-F238E27FC236}">
-                <a16:creationId xmlns="" xmlns:a16="http://schemas.microsoft.com/office/drawing/2014/main" id="{D5F5F94E-F578-41F9-9472-4B3C3CDE8F42}"/>
+                <a16:creationId xmlns:a16="http://schemas.microsoft.com/office/drawing/2014/main" id="{D5F5F94E-F578-41F9-9472-4B3C3CDE8F42}"/>
               </a:ext>
             </a:extLst>
           </p:cNvPr>
@@ -6005,7 +6140,7 @@
           <p:nvPr>
             <p:extLst>
               <p:ext uri="{D42A27DB-BD31-4B8C-83A1-F6EECF244321}">
-                <p14:modId xmlns="" xmlns:p14="http://schemas.microsoft.com/office/powerpoint/2010/main" val="2338629271"/>
+                <p14:modId xmlns:p14="http://schemas.microsoft.com/office/powerpoint/2010/main" val="2338629271"/>
               </p:ext>
             </p:extLst>
           </p:nvPr>
@@ -6016,29 +6151,72 @@
         </p:xfrm>
         <a:graphic>
           <a:graphicData uri="http://schemas.openxmlformats.org/presentationml/2006/ole">
-            <p:oleObj spid="_x0000_s3083" name="Graph" r:id="rId5" imgW="5943600" imgH="4462200" progId="Statistica.Graph">
-              <p:embed/>
-            </p:oleObj>
+            <mc:AlternateContent xmlns:mc="http://schemas.openxmlformats.org/markup-compatibility/2006">
+              <mc:Choice xmlns:v="urn:schemas-microsoft-com:vml" Requires="v">
+                <p:oleObj spid="_x0000_s3091" name="Graph" r:id="rId6" imgW="5943600" imgH="4462200" progId="Statistica.Graph">
+                  <p:embed/>
+                </p:oleObj>
+              </mc:Choice>
+              <mc:Fallback>
+                <p:oleObj name="Graph" r:id="rId6" imgW="5943600" imgH="4462200" progId="Statistica.Graph">
+                  <p:embed/>
+                  <p:pic>
+                    <p:nvPicPr>
+                      <p:cNvPr id="0" name="Picture 11"/>
+                      <p:cNvPicPr>
+                        <a:picLocks noChangeAspect="1" noChangeArrowheads="1"/>
+                      </p:cNvPicPr>
+                      <p:nvPr/>
+                    </p:nvPicPr>
+                    <p:blipFill>
+                      <a:blip r:embed="rId7">
+                        <a:extLst>
+                          <a:ext uri="{28A0092B-C50C-407E-A947-70E740481C1C}">
+                            <a14:useLocalDpi xmlns:a14="http://schemas.microsoft.com/office/drawing/2010/main" val="0"/>
+                          </a:ext>
+                        </a:extLst>
+                      </a:blip>
+                      <a:srcRect/>
+                      <a:stretch>
+                        <a:fillRect/>
+                      </a:stretch>
+                    </p:blipFill>
+                    <p:spPr bwMode="auto">
+                      <a:xfrm>
+                        <a:off x="4330449" y="2204864"/>
+                        <a:ext cx="4603083" cy="3456000"/>
+                      </a:xfrm>
+                      <a:prstGeom prst="rect">
+                        <a:avLst/>
+                      </a:prstGeom>
+                      <a:noFill/>
+                      <a:extLst>
+                        <a:ext uri="{909E8E84-426E-40DD-AFC4-6F175D3DCCD1}">
+                          <a14:hiddenFill xmlns:a14="http://schemas.microsoft.com/office/drawing/2010/main">
+                            <a:solidFill>
+                              <a:srgbClr val="FFFFFF"/>
+                            </a:solidFill>
+                          </a14:hiddenFill>
+                        </a:ext>
+                      </a:extLst>
+                    </p:spPr>
+                  </p:pic>
+                </p:oleObj>
+              </mc:Fallback>
+            </mc:AlternateContent>
           </a:graphicData>
         </a:graphic>
       </p:graphicFrame>
     </p:spTree>
     <p:extLst>
       <p:ext uri="{BB962C8B-B14F-4D97-AF65-F5344CB8AC3E}">
-        <p14:creationId xmlns="" xmlns:p14="http://schemas.microsoft.com/office/powerpoint/2010/main" val="2318443513"/>
+        <p14:creationId xmlns:p14="http://schemas.microsoft.com/office/powerpoint/2010/main" val="2318443513"/>
       </p:ext>
     </p:extLst>
   </p:cSld>
   <p:clrMapOvr>
     <a:masterClrMapping/>
   </p:clrMapOvr>
-  <p:timing>
-    <p:tnLst>
-      <p:par>
-        <p:cTn id="1" dur="indefinite" restart="never" nodeType="tmRoot"/>
-      </p:par>
-    </p:tnLst>
-  </p:timing>
 </p:sld>
 </file>
 
@@ -6064,7 +6242,7 @@
           <p:cNvPr id="6" name="pole tekstowe 5">
             <a:extLst>
               <a:ext uri="{FF2B5EF4-FFF2-40B4-BE49-F238E27FC236}">
-                <a16:creationId xmlns="" xmlns:a16="http://schemas.microsoft.com/office/drawing/2014/main" id="{C0CE9966-9FA9-4913-A3F2-286BDAA062EA}"/>
+                <a16:creationId xmlns:a16="http://schemas.microsoft.com/office/drawing/2014/main" id="{C0CE9966-9FA9-4913-A3F2-286BDAA062EA}"/>
               </a:ext>
             </a:extLst>
           </p:cNvPr>
@@ -6195,7 +6373,7 @@
           <p:cNvPr id="3" name="Obiekt 2">
             <a:extLst>
               <a:ext uri="{FF2B5EF4-FFF2-40B4-BE49-F238E27FC236}">
-                <a16:creationId xmlns="" xmlns:a16="http://schemas.microsoft.com/office/drawing/2014/main" id="{8FBE7A3C-BBF4-4C8D-8DB8-1ABE0CDE69E8}"/>
+                <a16:creationId xmlns:a16="http://schemas.microsoft.com/office/drawing/2014/main" id="{8FBE7A3C-BBF4-4C8D-8DB8-1ABE0CDE69E8}"/>
               </a:ext>
             </a:extLst>
           </p:cNvPr>
@@ -6205,7 +6383,7 @@
           <p:nvPr>
             <p:extLst>
               <p:ext uri="{D42A27DB-BD31-4B8C-83A1-F6EECF244321}">
-                <p14:modId xmlns="" xmlns:p14="http://schemas.microsoft.com/office/powerpoint/2010/main" val="370054255"/>
+                <p14:modId xmlns:p14="http://schemas.microsoft.com/office/powerpoint/2010/main" val="370054255"/>
               </p:ext>
             </p:extLst>
           </p:nvPr>
@@ -6216,9 +6394,59 @@
         </p:xfrm>
         <a:graphic>
           <a:graphicData uri="http://schemas.openxmlformats.org/presentationml/2006/ole">
-            <p:oleObj spid="_x0000_s4101" name="Graph" r:id="rId4" imgW="5943600" imgH="4462200" progId="Statistica.Graph">
-              <p:embed/>
-            </p:oleObj>
+            <mc:AlternateContent xmlns:mc="http://schemas.openxmlformats.org/markup-compatibility/2006">
+              <mc:Choice xmlns:v="urn:schemas-microsoft-com:vml" Requires="v">
+                <p:oleObj spid="_x0000_s4105" name="Graph" r:id="rId4" imgW="5943600" imgH="4462200" progId="Statistica.Graph">
+                  <p:embed/>
+                </p:oleObj>
+              </mc:Choice>
+              <mc:Fallback>
+                <p:oleObj name="Graph" r:id="rId4" imgW="5943600" imgH="4462200" progId="Statistica.Graph">
+                  <p:embed/>
+                  <p:pic>
+                    <p:nvPicPr>
+                      <p:cNvPr id="0" name="Picture 5"/>
+                      <p:cNvPicPr>
+                        <a:picLocks noChangeAspect="1" noChangeArrowheads="1"/>
+                      </p:cNvPicPr>
+                      <p:nvPr/>
+                    </p:nvPicPr>
+                    <p:blipFill>
+                      <a:blip r:embed="rId5">
+                        <a:extLst>
+                          <a:ext uri="{28A0092B-C50C-407E-A947-70E740481C1C}">
+                            <a14:useLocalDpi xmlns:a14="http://schemas.microsoft.com/office/drawing/2010/main" val="0"/>
+                          </a:ext>
+                        </a:extLst>
+                      </a:blip>
+                      <a:srcRect/>
+                      <a:stretch>
+                        <a:fillRect/>
+                      </a:stretch>
+                    </p:blipFill>
+                    <p:spPr bwMode="auto">
+                      <a:xfrm>
+                        <a:off x="758091" y="275417"/>
+                        <a:ext cx="7499189" cy="5630400"/>
+                      </a:xfrm>
+                      <a:prstGeom prst="rect">
+                        <a:avLst/>
+                      </a:prstGeom>
+                      <a:noFill/>
+                      <a:extLst>
+                        <a:ext uri="{909E8E84-426E-40DD-AFC4-6F175D3DCCD1}">
+                          <a14:hiddenFill xmlns:a14="http://schemas.microsoft.com/office/drawing/2010/main">
+                            <a:solidFill>
+                              <a:srgbClr val="FFFFFF"/>
+                            </a:solidFill>
+                          </a14:hiddenFill>
+                        </a:ext>
+                      </a:extLst>
+                    </p:spPr>
+                  </p:pic>
+                </p:oleObj>
+              </mc:Fallback>
+            </mc:AlternateContent>
           </a:graphicData>
         </a:graphic>
       </p:graphicFrame>
@@ -6227,7 +6455,7 @@
           <p:cNvPr id="18" name="Grupa 17">
             <a:extLst>
               <a:ext uri="{FF2B5EF4-FFF2-40B4-BE49-F238E27FC236}">
-                <a16:creationId xmlns="" xmlns:a16="http://schemas.microsoft.com/office/drawing/2014/main" id="{37C4BEF0-A31A-4E2E-B54D-63D91B5BE9E9}"/>
+                <a16:creationId xmlns:a16="http://schemas.microsoft.com/office/drawing/2014/main" id="{37C4BEF0-A31A-4E2E-B54D-63D91B5BE9E9}"/>
               </a:ext>
             </a:extLst>
           </p:cNvPr>
@@ -6247,7 +6475,7 @@
             <p:cNvPr id="19" name="Łącznik prosty ze strzałką 18">
               <a:extLst>
                 <a:ext uri="{FF2B5EF4-FFF2-40B4-BE49-F238E27FC236}">
-                  <a16:creationId xmlns="" xmlns:a16="http://schemas.microsoft.com/office/drawing/2014/main" id="{5910114A-9A15-40F6-AD21-9553669E42B5}"/>
+                  <a16:creationId xmlns:a16="http://schemas.microsoft.com/office/drawing/2014/main" id="{5910114A-9A15-40F6-AD21-9553669E42B5}"/>
                 </a:ext>
               </a:extLst>
             </p:cNvPr>
@@ -6291,7 +6519,7 @@
             <p:cNvPr id="20" name="Łącznik prosty 19">
               <a:extLst>
                 <a:ext uri="{FF2B5EF4-FFF2-40B4-BE49-F238E27FC236}">
-                  <a16:creationId xmlns="" xmlns:a16="http://schemas.microsoft.com/office/drawing/2014/main" id="{1A4B1A18-28AE-4F3E-B080-833D79B6DBE2}"/>
+                  <a16:creationId xmlns:a16="http://schemas.microsoft.com/office/drawing/2014/main" id="{1A4B1A18-28AE-4F3E-B080-833D79B6DBE2}"/>
                 </a:ext>
               </a:extLst>
             </p:cNvPr>
@@ -6334,7 +6562,7 @@
             <p:cNvPr id="21" name="Łącznik prosty ze strzałką 20">
               <a:extLst>
                 <a:ext uri="{FF2B5EF4-FFF2-40B4-BE49-F238E27FC236}">
-                  <a16:creationId xmlns="" xmlns:a16="http://schemas.microsoft.com/office/drawing/2014/main" id="{542BF90C-B06D-4A41-B658-EAC4F8922ADD}"/>
+                  <a16:creationId xmlns:a16="http://schemas.microsoft.com/office/drawing/2014/main" id="{542BF90C-B06D-4A41-B658-EAC4F8922ADD}"/>
                 </a:ext>
               </a:extLst>
             </p:cNvPr>
@@ -6378,7 +6606,7 @@
             <p:cNvPr id="22" name="pole tekstowe 21">
               <a:extLst>
                 <a:ext uri="{FF2B5EF4-FFF2-40B4-BE49-F238E27FC236}">
-                  <a16:creationId xmlns="" xmlns:a16="http://schemas.microsoft.com/office/drawing/2014/main" id="{0EC704B1-6644-4228-9380-5328E79CC449}"/>
+                  <a16:creationId xmlns:a16="http://schemas.microsoft.com/office/drawing/2014/main" id="{0EC704B1-6644-4228-9380-5328E79CC449}"/>
                 </a:ext>
               </a:extLst>
             </p:cNvPr>
@@ -6412,20 +6640,13 @@
     </p:spTree>
     <p:extLst>
       <p:ext uri="{BB962C8B-B14F-4D97-AF65-F5344CB8AC3E}">
-        <p14:creationId xmlns="" xmlns:p14="http://schemas.microsoft.com/office/powerpoint/2010/main" val="4226831621"/>
+        <p14:creationId xmlns:p14="http://schemas.microsoft.com/office/powerpoint/2010/main" val="4226831621"/>
       </p:ext>
     </p:extLst>
   </p:cSld>
   <p:clrMapOvr>
     <a:masterClrMapping/>
   </p:clrMapOvr>
-  <p:timing>
-    <p:tnLst>
-      <p:par>
-        <p:cTn id="1" dur="indefinite" restart="never" nodeType="tmRoot"/>
-      </p:par>
-    </p:tnLst>
-  </p:timing>
 </p:sld>
 </file>
 
@@ -6584,13 +6805,6 @@
   <p:clrMapOvr>
     <a:masterClrMapping/>
   </p:clrMapOvr>
-  <p:timing>
-    <p:tnLst>
-      <p:par>
-        <p:cTn id="1" dur="indefinite" restart="never" nodeType="tmRoot"/>
-      </p:par>
-    </p:tnLst>
-  </p:timing>
 </p:sld>
 </file>
 
@@ -6657,13 +6871,6 @@
   <p:clrMapOvr>
     <a:masterClrMapping/>
   </p:clrMapOvr>
-  <p:timing>
-    <p:tnLst>
-      <p:par>
-        <p:cTn id="1" dur="indefinite" restart="never" nodeType="tmRoot"/>
-      </p:par>
-    </p:tnLst>
-  </p:timing>
 </p:sld>
 </file>
 
@@ -6689,7 +6896,7 @@
           <p:cNvPr id="6" name="no_b_Logo.png" descr="no_b_Logo.png">
             <a:extLst>
               <a:ext uri="{FF2B5EF4-FFF2-40B4-BE49-F238E27FC236}">
-                <a16:creationId xmlns="" xmlns:a16="http://schemas.microsoft.com/office/drawing/2014/main" id="{6F1EBDA4-A964-4BE7-A3E7-3B23C6F9AB7C}"/>
+                <a16:creationId xmlns:a16="http://schemas.microsoft.com/office/drawing/2014/main" id="{6F1EBDA4-A964-4BE7-A3E7-3B23C6F9AB7C}"/>
               </a:ext>
             </a:extLst>
           </p:cNvPr>
@@ -6725,7 +6932,7 @@
           <p:cNvPr id="7" name="Image" descr="Image">
             <a:extLst>
               <a:ext uri="{FF2B5EF4-FFF2-40B4-BE49-F238E27FC236}">
-                <a16:creationId xmlns="" xmlns:a16="http://schemas.microsoft.com/office/drawing/2014/main" id="{6E9170F3-CA8A-4106-B855-2C6906C36CDF}"/>
+                <a16:creationId xmlns:a16="http://schemas.microsoft.com/office/drawing/2014/main" id="{6E9170F3-CA8A-4106-B855-2C6906C36CDF}"/>
               </a:ext>
             </a:extLst>
           </p:cNvPr>
@@ -6760,7 +6967,7 @@
           <p:cNvPr id="1026" name="Picture 2" descr="http://stn.umed.pl/wp-content/uploads/2017/01/logo-web.png">
             <a:extLst>
               <a:ext uri="{FF2B5EF4-FFF2-40B4-BE49-F238E27FC236}">
-                <a16:creationId xmlns="" xmlns:a16="http://schemas.microsoft.com/office/drawing/2014/main" id="{A50498B3-3F6D-4EBB-8ED9-9B5516022D42}"/>
+                <a16:creationId xmlns:a16="http://schemas.microsoft.com/office/drawing/2014/main" id="{A50498B3-3F6D-4EBB-8ED9-9B5516022D42}"/>
               </a:ext>
             </a:extLst>
           </p:cNvPr>
@@ -6773,7 +6980,7 @@
           <a:blip r:embed="rId5" cstate="print">
             <a:extLst>
               <a:ext uri="{28A0092B-C50C-407E-A947-70E740481C1C}">
-                <a14:useLocalDpi xmlns="" xmlns:a14="http://schemas.microsoft.com/office/drawing/2010/main" val="0"/>
+                <a14:useLocalDpi xmlns:a14="http://schemas.microsoft.com/office/drawing/2010/main" val="0"/>
               </a:ext>
             </a:extLst>
           </a:blip>
@@ -6793,7 +7000,7 @@
           <a:noFill/>
           <a:extLst>
             <a:ext uri="{909E8E84-426E-40DD-AFC4-6F175D3DCCD1}">
-              <a14:hiddenFill xmlns="" xmlns:a14="http://schemas.microsoft.com/office/drawing/2010/main">
+              <a14:hiddenFill xmlns:a14="http://schemas.microsoft.com/office/drawing/2010/main">
                 <a:solidFill>
                   <a:srgbClr val="FFFFFF"/>
                 </a:solidFill>
@@ -6807,13 +7014,6 @@
   <p:clrMapOvr>
     <a:masterClrMapping/>
   </p:clrMapOvr>
-  <p:timing>
-    <p:tnLst>
-      <p:par>
-        <p:cTn id="1" dur="indefinite" restart="never" nodeType="tmRoot"/>
-      </p:par>
-    </p:tnLst>
-  </p:timing>
 </p:sld>
 </file>
 
@@ -6850,10 +7050,9 @@
           <a:lstStyle/>
           <a:p>
             <a:r>
-              <a:rPr lang="pl-PL" dirty="0" smtClean="0"/>
+              <a:rPr lang="pl-PL" dirty="0"/>
               <a:t>Dodatkowe informacje</a:t>
             </a:r>
-            <a:endParaRPr lang="pl-PL" dirty="0"/>
           </a:p>
         </p:txBody>
       </p:sp>
@@ -6873,84 +7072,84 @@
           <a:lstStyle/>
           <a:p>
             <a:r>
-              <a:rPr lang="pl-PL" dirty="0" err="1" smtClean="0">
+              <a:rPr lang="pl-PL" dirty="0" err="1">
                 <a:hlinkClick r:id="rId2" action="ppaction://hlinksldjump"/>
               </a:rPr>
               <a:t>Egzosomy</a:t>
             </a:r>
-            <a:endParaRPr lang="pl-PL" dirty="0" smtClean="0"/>
-          </a:p>
-          <a:p>
-            <a:r>
-              <a:rPr lang="pl-PL" dirty="0" err="1" smtClean="0">
+            <a:endParaRPr lang="pl-PL" dirty="0"/>
+          </a:p>
+          <a:p>
+            <a:r>
+              <a:rPr lang="pl-PL" dirty="0" err="1">
                 <a:hlinkClick r:id="rId3" action="ppaction://hlinksldjump"/>
               </a:rPr>
               <a:t>microRNA</a:t>
             </a:r>
-            <a:endParaRPr lang="pl-PL" dirty="0" smtClean="0"/>
-          </a:p>
-          <a:p>
-            <a:r>
-              <a:rPr lang="pl-PL" dirty="0" err="1" smtClean="0">
+            <a:endParaRPr lang="pl-PL" dirty="0"/>
+          </a:p>
+          <a:p>
+            <a:r>
+              <a:rPr lang="pl-PL" dirty="0" err="1">
                 <a:hlinkClick r:id="rId4" action="ppaction://hlinksldjump"/>
               </a:rPr>
               <a:t>qPCR</a:t>
             </a:r>
-            <a:endParaRPr lang="pl-PL" dirty="0" smtClean="0"/>
-          </a:p>
-          <a:p>
-            <a:r>
-              <a:rPr lang="pl-PL" dirty="0" smtClean="0">
+            <a:endParaRPr lang="pl-PL" dirty="0"/>
+          </a:p>
+          <a:p>
+            <a:r>
+              <a:rPr lang="pl-PL" dirty="0">
                 <a:hlinkClick r:id="rId4" action="ppaction://hlinksldjump"/>
               </a:rPr>
               <a:t>Sondy </a:t>
             </a:r>
             <a:r>
-              <a:rPr lang="pl-PL" dirty="0" err="1" smtClean="0">
+              <a:rPr lang="pl-PL" dirty="0" err="1">
                 <a:hlinkClick r:id="rId4" action="ppaction://hlinksldjump"/>
               </a:rPr>
               <a:t>TaqMan</a:t>
             </a:r>
-            <a:endParaRPr lang="pl-PL" dirty="0" smtClean="0"/>
-          </a:p>
-          <a:p>
-            <a:r>
-              <a:rPr lang="pl-PL" dirty="0" smtClean="0">
+            <a:endParaRPr lang="pl-PL" dirty="0"/>
+          </a:p>
+          <a:p>
+            <a:r>
+              <a:rPr lang="pl-PL" dirty="0">
                 <a:hlinkClick r:id="rId5" action="ppaction://hlinksldjump"/>
               </a:rPr>
               <a:t>Global </a:t>
             </a:r>
             <a:r>
-              <a:rPr lang="pl-PL" dirty="0" err="1" smtClean="0">
+              <a:rPr lang="pl-PL" dirty="0" err="1">
                 <a:hlinkClick r:id="rId5" action="ppaction://hlinksldjump"/>
               </a:rPr>
               <a:t>normalization</a:t>
             </a:r>
-            <a:endParaRPr lang="pl-PL" dirty="0" smtClean="0"/>
-          </a:p>
-          <a:p>
-            <a:r>
-              <a:rPr lang="pl-PL" dirty="0" smtClean="0">
+            <a:endParaRPr lang="pl-PL" dirty="0"/>
+          </a:p>
+          <a:p>
+            <a:r>
+              <a:rPr lang="pl-PL" dirty="0">
                 <a:hlinkClick r:id="rId6" action="ppaction://hlinksldjump"/>
               </a:rPr>
               <a:t>Skale:</a:t>
             </a:r>
-            <a:endParaRPr lang="pl-PL" dirty="0" smtClean="0"/>
+            <a:endParaRPr lang="pl-PL" dirty="0"/>
           </a:p>
           <a:p>
             <a:pPr lvl="2"/>
             <a:r>
-              <a:rPr lang="pl-PL" dirty="0" err="1" smtClean="0">
+              <a:rPr lang="pl-PL" dirty="0" err="1">
                 <a:hlinkClick r:id="rId7" action="ppaction://hlinksldjump"/>
               </a:rPr>
               <a:t>pTNM</a:t>
             </a:r>
-            <a:endParaRPr lang="pl-PL" dirty="0" smtClean="0"/>
+            <a:endParaRPr lang="pl-PL" dirty="0"/>
           </a:p>
           <a:p>
             <a:pPr lvl="2"/>
             <a:r>
-              <a:rPr lang="pl-PL" dirty="0" smtClean="0">
+              <a:rPr lang="pl-PL" dirty="0">
                 <a:hlinkClick r:id="rId8" action="ppaction://hlinksldjump"/>
               </a:rPr>
               <a:t>AJCC</a:t>
@@ -7015,13 +7214,6 @@
   <p:clrMapOvr>
     <a:masterClrMapping/>
   </p:clrMapOvr>
-  <p:timing>
-    <p:tnLst>
-      <p:par>
-        <p:cTn id="1" dur="indefinite" restart="never" nodeType="tmRoot"/>
-      </p:par>
-    </p:tnLst>
-  </p:timing>
 </p:sld>
 </file>
 
@@ -7058,10 +7250,9 @@
           <a:lstStyle/>
           <a:p>
             <a:r>
-              <a:rPr lang="pl-PL" dirty="0" smtClean="0"/>
+              <a:rPr lang="pl-PL" dirty="0"/>
               <a:t>EGZOSOMY</a:t>
             </a:r>
-            <a:endParaRPr lang="pl-PL" dirty="0"/>
           </a:p>
         </p:txBody>
       </p:sp>
@@ -7089,13 +7280,6 @@
   <p:clrMapOvr>
     <a:masterClrMapping/>
   </p:clrMapOvr>
-  <p:timing>
-    <p:tnLst>
-      <p:par>
-        <p:cTn id="1" dur="indefinite" restart="never" nodeType="tmRoot"/>
-      </p:par>
-    </p:tnLst>
-  </p:timing>
 </p:sld>
 </file>
 
@@ -7166,111 +7350,111 @@
           <a:p>
             <a:pPr algn="ctr"/>
             <a:r>
-              <a:rPr lang="pl-PL" b="1" dirty="0" smtClean="0"/>
+              <a:rPr lang="pl-PL" b="1" dirty="0"/>
               <a:t>Ryc. 1a.</a:t>
             </a:r>
             <a:r>
-              <a:rPr lang="pl-PL" dirty="0" smtClean="0"/>
+              <a:rPr lang="pl-PL" dirty="0"/>
               <a:t> Przekazywanie informacji za pomocą </a:t>
             </a:r>
             <a:r>
-              <a:rPr lang="pl-PL" dirty="0" err="1" smtClean="0"/>
+              <a:rPr lang="pl-PL" dirty="0" err="1"/>
               <a:t>egzosomów</a:t>
             </a:r>
-            <a:endParaRPr lang="pl-PL" dirty="0" smtClean="0"/>
+            <a:endParaRPr lang="pl-PL" dirty="0"/>
           </a:p>
           <a:p>
             <a:pPr algn="ctr"/>
             <a:r>
-              <a:rPr lang="pl-PL" dirty="0" smtClean="0"/>
+              <a:rPr lang="pl-PL" dirty="0"/>
               <a:t>(G. </a:t>
             </a:r>
             <a:r>
-              <a:rPr lang="pl-PL" dirty="0" err="1" smtClean="0"/>
+              <a:rPr lang="pl-PL" dirty="0" err="1"/>
               <a:t>Raposo</a:t>
             </a:r>
             <a:r>
-              <a:rPr lang="pl-PL" dirty="0" smtClean="0"/>
+              <a:rPr lang="pl-PL" dirty="0"/>
               <a:t>, W. </a:t>
             </a:r>
             <a:r>
-              <a:rPr lang="pl-PL" dirty="0" err="1" smtClean="0"/>
+              <a:rPr lang="pl-PL" dirty="0" err="1"/>
               <a:t>Stoorvogel</a:t>
             </a:r>
             <a:r>
-              <a:rPr lang="pl-PL" dirty="0" smtClean="0"/>
+              <a:rPr lang="pl-PL" dirty="0"/>
               <a:t>: </a:t>
             </a:r>
             <a:r>
-              <a:rPr lang="pl-PL" i="1" dirty="0" err="1" smtClean="0"/>
+              <a:rPr lang="pl-PL" i="1" dirty="0" err="1"/>
               <a:t>Extracellular</a:t>
             </a:r>
             <a:r>
-              <a:rPr lang="pl-PL" i="1" dirty="0" smtClean="0"/>
+              <a:rPr lang="pl-PL" i="1" dirty="0"/>
               <a:t> </a:t>
             </a:r>
             <a:r>
-              <a:rPr lang="pl-PL" i="1" dirty="0" err="1" smtClean="0"/>
+              <a:rPr lang="pl-PL" i="1" dirty="0" err="1"/>
               <a:t>vesicles</a:t>
             </a:r>
             <a:r>
-              <a:rPr lang="pl-PL" i="1" dirty="0" smtClean="0"/>
+              <a:rPr lang="pl-PL" i="1" dirty="0"/>
               <a:t>: </a:t>
             </a:r>
             <a:r>
-              <a:rPr lang="pl-PL" i="1" dirty="0" err="1" smtClean="0"/>
+              <a:rPr lang="pl-PL" i="1" dirty="0" err="1"/>
               <a:t>Exosomes</a:t>
             </a:r>
             <a:r>
-              <a:rPr lang="pl-PL" i="1" dirty="0" smtClean="0"/>
+              <a:rPr lang="pl-PL" i="1" dirty="0"/>
               <a:t>, </a:t>
             </a:r>
             <a:r>
-              <a:rPr lang="pl-PL" i="1" dirty="0" err="1" smtClean="0"/>
+              <a:rPr lang="pl-PL" i="1" dirty="0" err="1"/>
               <a:t>microvesicles</a:t>
             </a:r>
             <a:r>
-              <a:rPr lang="pl-PL" i="1" dirty="0" smtClean="0"/>
+              <a:rPr lang="pl-PL" i="1" dirty="0"/>
               <a:t>, and </a:t>
             </a:r>
             <a:r>
-              <a:rPr lang="pl-PL" i="1" dirty="0" err="1" smtClean="0"/>
+              <a:rPr lang="pl-PL" i="1" dirty="0" err="1"/>
               <a:t>friends</a:t>
             </a:r>
             <a:r>
-              <a:rPr lang="pl-PL" i="1" dirty="0" smtClean="0"/>
+              <a:rPr lang="pl-PL" i="1" dirty="0"/>
               <a:t> </a:t>
             </a:r>
             <a:r>
-              <a:rPr lang="pl-PL" i="1" dirty="0" err="1" smtClean="0"/>
+              <a:rPr lang="pl-PL" i="1" dirty="0" err="1"/>
               <a:t>Graça</a:t>
             </a:r>
             <a:r>
-              <a:rPr lang="pl-PL" i="1" dirty="0" smtClean="0"/>
+              <a:rPr lang="pl-PL" i="1" dirty="0"/>
               <a:t> </a:t>
             </a:r>
             <a:r>
-              <a:rPr lang="pl-PL" i="1" dirty="0" err="1" smtClean="0"/>
+              <a:rPr lang="pl-PL" i="1" dirty="0" err="1"/>
               <a:t>Raposo</a:t>
             </a:r>
             <a:r>
-              <a:rPr lang="pl-PL" i="1" dirty="0" smtClean="0"/>
+              <a:rPr lang="pl-PL" i="1" dirty="0"/>
               <a:t>, </a:t>
             </a:r>
             <a:r>
-              <a:rPr lang="pl-PL" i="1" dirty="0" err="1" smtClean="0"/>
+              <a:rPr lang="pl-PL" i="1" dirty="0" err="1"/>
               <a:t>Willem</a:t>
             </a:r>
             <a:r>
-              <a:rPr lang="pl-PL" i="1" dirty="0" smtClean="0"/>
+              <a:rPr lang="pl-PL" i="1" dirty="0"/>
               <a:t> </a:t>
             </a:r>
             <a:r>
-              <a:rPr lang="pl-PL" i="1" dirty="0" err="1" smtClean="0"/>
+              <a:rPr lang="pl-PL" i="1" dirty="0" err="1"/>
               <a:t>Stoorvogel</a:t>
             </a:r>
             <a:r>
-              <a:rPr lang="pl-PL" dirty="0" smtClean="0"/>
+              <a:rPr lang="pl-PL" dirty="0"/>
               <a:t>)</a:t>
             </a:r>
             <a:endParaRPr lang="pl-PL" i="1" dirty="0"/>
@@ -7282,13 +7466,6 @@
   <p:clrMapOvr>
     <a:masterClrMapping/>
   </p:clrMapOvr>
-  <p:timing>
-    <p:tnLst>
-      <p:par>
-        <p:cTn id="1" dur="indefinite" restart="never" nodeType="tmRoot"/>
-      </p:par>
-    </p:tnLst>
-  </p:timing>
 </p:sld>
 </file>
 
@@ -7359,46 +7536,46 @@
           <a:p>
             <a:pPr algn="ctr"/>
             <a:r>
-              <a:rPr lang="pl-PL" b="1" dirty="0" smtClean="0"/>
+              <a:rPr lang="pl-PL" b="1" dirty="0"/>
               <a:t>Ryc. 1b</a:t>
             </a:r>
             <a:r>
-              <a:rPr lang="pl-PL" dirty="0" smtClean="0"/>
+              <a:rPr lang="pl-PL" dirty="0"/>
               <a:t>. Struktura </a:t>
             </a:r>
             <a:r>
-              <a:rPr lang="pl-PL" dirty="0" err="1" smtClean="0"/>
+              <a:rPr lang="pl-PL" dirty="0" err="1"/>
               <a:t>egzosomu</a:t>
             </a:r>
             <a:r>
-              <a:rPr lang="pl-PL" dirty="0" smtClean="0"/>
+              <a:rPr lang="pl-PL" dirty="0"/>
               <a:t> </a:t>
             </a:r>
           </a:p>
           <a:p>
             <a:pPr algn="ctr"/>
             <a:r>
-              <a:rPr lang="pl-PL" dirty="0" smtClean="0"/>
+              <a:rPr lang="pl-PL" dirty="0"/>
               <a:t>(</a:t>
             </a:r>
             <a:r>
-              <a:rPr lang="en-US" dirty="0" smtClean="0"/>
+              <a:rPr lang="en-US" dirty="0"/>
               <a:t>J. Paul Mitchell</a:t>
             </a:r>
             <a:r>
-              <a:rPr lang="pl-PL" dirty="0" smtClean="0"/>
+              <a:rPr lang="pl-PL" dirty="0"/>
               <a:t>: </a:t>
             </a:r>
             <a:r>
-              <a:rPr lang="en-US" i="1" dirty="0" err="1" smtClean="0"/>
+              <a:rPr lang="en-US" i="1" dirty="0" err="1"/>
               <a:t>Exosomes</a:t>
             </a:r>
             <a:r>
-              <a:rPr lang="en-US" i="1" dirty="0" smtClean="0"/>
+              <a:rPr lang="en-US" i="1" dirty="0"/>
               <a:t> in cancer immunology</a:t>
             </a:r>
             <a:r>
-              <a:rPr lang="pl-PL" sz="1600" dirty="0" smtClean="0"/>
+              <a:rPr lang="pl-PL" sz="1600" dirty="0"/>
               <a:t>)</a:t>
             </a:r>
             <a:endParaRPr lang="pl-PL" sz="1600" i="1" dirty="0"/>
@@ -7410,13 +7587,6 @@
   <p:clrMapOvr>
     <a:masterClrMapping/>
   </p:clrMapOvr>
-  <p:timing>
-    <p:tnLst>
-      <p:par>
-        <p:cTn id="1" dur="indefinite" restart="never" nodeType="tmRoot"/>
-      </p:par>
-    </p:tnLst>
-  </p:timing>
 </p:sld>
 </file>
 
@@ -7607,13 +7777,6 @@
   <p:clrMapOvr>
     <a:masterClrMapping/>
   </p:clrMapOvr>
-  <p:timing>
-    <p:tnLst>
-      <p:par>
-        <p:cTn id="1" dur="indefinite" restart="never" nodeType="tmRoot"/>
-      </p:par>
-    </p:tnLst>
-  </p:timing>
 </p:sld>
 </file>
 
@@ -7676,11 +7839,11 @@
           <a:lstStyle/>
           <a:p>
             <a:r>
-              <a:rPr lang="pl-PL" dirty="0" smtClean="0"/>
+              <a:rPr lang="pl-PL" dirty="0"/>
               <a:t>Izolacja </a:t>
             </a:r>
             <a:r>
-              <a:rPr lang="pl-PL" dirty="0" err="1" smtClean="0"/>
+              <a:rPr lang="pl-PL" dirty="0" err="1"/>
               <a:t>egzosomów</a:t>
             </a:r>
             <a:endParaRPr lang="pl-PL" dirty="0"/>
@@ -7713,27 +7876,27 @@
               <a:buNone/>
             </a:pPr>
             <a:r>
-              <a:rPr lang="pl-PL" sz="2400" b="1" dirty="0" smtClean="0"/>
+              <a:rPr lang="pl-PL" sz="2400" b="1" dirty="0"/>
               <a:t>Total </a:t>
             </a:r>
             <a:r>
-              <a:rPr lang="pl-PL" sz="2400" b="1" dirty="0" err="1" smtClean="0"/>
+              <a:rPr lang="pl-PL" sz="2400" b="1" dirty="0" err="1"/>
               <a:t>Exosome</a:t>
             </a:r>
             <a:r>
-              <a:rPr lang="pl-PL" sz="2400" b="1" dirty="0" smtClean="0"/>
+              <a:rPr lang="pl-PL" sz="2400" b="1" dirty="0"/>
               <a:t> </a:t>
             </a:r>
             <a:r>
-              <a:rPr lang="pl-PL" sz="2400" b="1" dirty="0" err="1" smtClean="0"/>
+              <a:rPr lang="pl-PL" sz="2400" b="1" dirty="0" err="1"/>
               <a:t>Isolation</a:t>
             </a:r>
             <a:r>
-              <a:rPr lang="pl-PL" sz="2400" b="1" dirty="0" smtClean="0"/>
+              <a:rPr lang="pl-PL" sz="2400" b="1" dirty="0"/>
               <a:t> Reagent </a:t>
             </a:r>
             <a:r>
-              <a:rPr lang="pl-PL" sz="2400" dirty="0" smtClean="0"/>
+              <a:rPr lang="pl-PL" sz="2400" dirty="0"/>
               <a:t>wiąże cząsteczki wody</a:t>
             </a:r>
           </a:p>
@@ -7741,29 +7904,28 @@
             <a:pPr algn="ctr">
               <a:buNone/>
             </a:pPr>
-            <a:endParaRPr lang="pl-PL" sz="2400" dirty="0" smtClean="0"/>
+            <a:endParaRPr lang="pl-PL" sz="2400" dirty="0"/>
           </a:p>
           <a:p>
             <a:pPr algn="ctr">
               <a:buNone/>
             </a:pPr>
-            <a:endParaRPr lang="pl-PL" sz="2400" dirty="0" smtClean="0"/>
+            <a:endParaRPr lang="pl-PL" sz="2400" dirty="0"/>
           </a:p>
           <a:p>
             <a:pPr algn="ctr">
               <a:buNone/>
             </a:pPr>
-            <a:endParaRPr lang="pl-PL" sz="2400" dirty="0" smtClean="0"/>
+            <a:endParaRPr lang="pl-PL" sz="2400" dirty="0"/>
           </a:p>
           <a:p>
             <a:pPr algn="ctr">
               <a:buNone/>
             </a:pPr>
             <a:r>
-              <a:rPr lang="pl-PL" sz="2400" dirty="0" smtClean="0"/>
+              <a:rPr lang="pl-PL" sz="2400" dirty="0"/>
               <a:t>wytrącanie związków o mniejszej gęstości</a:t>
             </a:r>
-            <a:endParaRPr lang="pl-PL" sz="2400" dirty="0"/>
           </a:p>
         </p:txBody>
       </p:sp>
@@ -7856,13 +8018,6 @@
   <p:clrMapOvr>
     <a:masterClrMapping/>
   </p:clrMapOvr>
-  <p:timing>
-    <p:tnLst>
-      <p:par>
-        <p:cTn id="1" dur="indefinite" restart="never" nodeType="tmRoot"/>
-      </p:par>
-    </p:tnLst>
-  </p:timing>
 </p:sld>
 </file>
 
@@ -7904,7 +8059,7 @@
           <a:lstStyle/>
           <a:p>
             <a:r>
-              <a:rPr lang="pl-PL" dirty="0" err="1" smtClean="0"/>
+              <a:rPr lang="pl-PL" dirty="0" err="1"/>
               <a:t>microRNA</a:t>
             </a:r>
             <a:endParaRPr lang="pl-PL" dirty="0"/>
@@ -7934,47 +8089,46 @@
           <a:lstStyle/>
           <a:p>
             <a:r>
-              <a:rPr lang="pl-PL" sz="2800" u="sng" dirty="0" smtClean="0"/>
+              <a:rPr lang="pl-PL" sz="2800" u="sng" dirty="0"/>
               <a:t>Wpływ na:</a:t>
             </a:r>
           </a:p>
           <a:p>
             <a:pPr lvl="2"/>
             <a:r>
-              <a:rPr lang="pl-PL" sz="2000" dirty="0" err="1" smtClean="0"/>
+              <a:rPr lang="pl-PL" sz="2000" dirty="0" err="1"/>
               <a:t>Nowotworzenie</a:t>
             </a:r>
-            <a:endParaRPr lang="pl-PL" sz="2000" dirty="0" smtClean="0"/>
+            <a:endParaRPr lang="pl-PL" sz="2000" dirty="0"/>
           </a:p>
           <a:p>
             <a:pPr lvl="2"/>
             <a:r>
-              <a:rPr lang="pl-PL" sz="2000" dirty="0" smtClean="0"/>
+              <a:rPr lang="pl-PL" sz="2000" dirty="0"/>
               <a:t>Metabolizm</a:t>
             </a:r>
           </a:p>
           <a:p>
             <a:pPr lvl="2"/>
             <a:r>
-              <a:rPr lang="pl-PL" sz="2000" dirty="0" smtClean="0"/>
+              <a:rPr lang="pl-PL" sz="2000" dirty="0"/>
               <a:t>Starzenie</a:t>
             </a:r>
           </a:p>
           <a:p>
             <a:pPr lvl="2"/>
             <a:r>
-              <a:rPr lang="pl-PL" sz="2000" dirty="0" err="1" smtClean="0"/>
+              <a:rPr lang="pl-PL" sz="2000" dirty="0" err="1"/>
               <a:t>Apoptozę</a:t>
             </a:r>
-            <a:endParaRPr lang="pl-PL" sz="2000" dirty="0" smtClean="0"/>
+            <a:endParaRPr lang="pl-PL" sz="2000" dirty="0"/>
           </a:p>
           <a:p>
             <a:pPr lvl="2"/>
             <a:r>
-              <a:rPr lang="pl-PL" sz="2000" dirty="0" smtClean="0"/>
+              <a:rPr lang="pl-PL" sz="2000" dirty="0"/>
               <a:t>Różnicowanie komórek</a:t>
             </a:r>
-            <a:endParaRPr lang="pl-PL" sz="2000" dirty="0"/>
           </a:p>
         </p:txBody>
       </p:sp>
@@ -8027,44 +8181,44 @@
           <a:lstStyle/>
           <a:p>
             <a:r>
-              <a:rPr lang="pl-PL" b="1" dirty="0" smtClean="0"/>
+              <a:rPr lang="pl-PL" b="1" dirty="0"/>
               <a:t>Ryc. 2. </a:t>
             </a:r>
             <a:r>
-              <a:rPr lang="pl-PL" dirty="0" err="1" smtClean="0"/>
+              <a:rPr lang="pl-PL" dirty="0" err="1"/>
               <a:t>microRNA</a:t>
             </a:r>
             <a:r>
-              <a:rPr lang="pl-PL" dirty="0" smtClean="0"/>
+              <a:rPr lang="pl-PL" dirty="0"/>
               <a:t> – budowa i działanie</a:t>
             </a:r>
           </a:p>
           <a:p>
             <a:r>
-              <a:rPr lang="pl-PL" dirty="0" smtClean="0"/>
+              <a:rPr lang="pl-PL" dirty="0"/>
               <a:t>(</a:t>
             </a:r>
             <a:r>
-              <a:rPr lang="en-US" dirty="0" smtClean="0"/>
+              <a:rPr lang="en-US" dirty="0"/>
               <a:t>Julia Winter et al.: </a:t>
             </a:r>
             <a:r>
-              <a:rPr lang="en-US" i="1" dirty="0" smtClean="0"/>
+              <a:rPr lang="en-US" i="1" dirty="0"/>
               <a:t>Many roads to maturity: </a:t>
             </a:r>
             <a:r>
-              <a:rPr lang="en-US" i="1" dirty="0" err="1" smtClean="0"/>
+              <a:rPr lang="en-US" i="1" dirty="0" err="1"/>
               <a:t>microRNA</a:t>
             </a:r>
             <a:r>
-              <a:rPr lang="en-US" i="1" dirty="0" smtClean="0"/>
+              <a:rPr lang="en-US" i="1" dirty="0"/>
               <a:t> biogenesis pathways and their regulation</a:t>
             </a:r>
             <a:r>
-              <a:rPr lang="pl-PL" dirty="0" smtClean="0"/>
+              <a:rPr lang="pl-PL" dirty="0"/>
               <a:t>)</a:t>
             </a:r>
-            <a:endParaRPr lang="en-US" dirty="0" smtClean="0"/>
+            <a:endParaRPr lang="en-US" dirty="0"/>
           </a:p>
           <a:p>
             <a:endParaRPr lang="pl-PL" dirty="0"/>
@@ -8122,13 +8276,6 @@
   <p:clrMapOvr>
     <a:masterClrMapping/>
   </p:clrMapOvr>
-  <p:timing>
-    <p:tnLst>
-      <p:par>
-        <p:cTn id="1" dur="indefinite" restart="never" nodeType="tmRoot"/>
-      </p:par>
-    </p:tnLst>
-  </p:timing>
 </p:sld>
 </file>
 
@@ -8165,15 +8312,15 @@
           <a:lstStyle/>
           <a:p>
             <a:r>
-              <a:rPr lang="pl-PL" dirty="0" err="1" smtClean="0"/>
+              <a:rPr lang="pl-PL" dirty="0" err="1"/>
               <a:t>qPCR</a:t>
             </a:r>
             <a:r>
-              <a:rPr lang="pl-PL" dirty="0" smtClean="0"/>
+              <a:rPr lang="pl-PL" dirty="0"/>
               <a:t> z sondami </a:t>
             </a:r>
             <a:r>
-              <a:rPr lang="pl-PL" dirty="0" err="1" smtClean="0"/>
+              <a:rPr lang="pl-PL" dirty="0" err="1"/>
               <a:t>TaqMan</a:t>
             </a:r>
             <a:endParaRPr lang="pl-PL" dirty="0"/>
@@ -8203,21 +8350,21 @@
           <a:lstStyle/>
           <a:p>
             <a:r>
-              <a:rPr lang="pl-PL" dirty="0" smtClean="0"/>
+              <a:rPr lang="pl-PL" dirty="0"/>
               <a:t>Anna Studzińska i </a:t>
             </a:r>
             <a:r>
-              <a:rPr lang="pl-PL" dirty="0" err="1" smtClean="0"/>
+              <a:rPr lang="pl-PL" dirty="0" err="1"/>
               <a:t>wsp</a:t>
             </a:r>
             <a:r>
-              <a:rPr lang="pl-PL" dirty="0" smtClean="0"/>
+              <a:rPr lang="pl-PL" dirty="0"/>
               <a:t>.: </a:t>
             </a:r>
           </a:p>
           <a:p>
             <a:r>
-              <a:rPr lang="pl-PL" i="1" dirty="0" smtClean="0"/>
+              <a:rPr lang="pl-PL" i="1" dirty="0"/>
               <a:t>PCR w czasie rzeczywistym. Istota metody i strategie monitorowania przebiegu reakcji</a:t>
             </a:r>
           </a:p>
@@ -8643,25 +8790,6 @@
       </p:sp>
       <p:sp>
         <p:nvSpPr>
-          <p:cNvPr id="3" name="Symbol zastępczy zawartości 2"/>
-          <p:cNvSpPr>
-            <a:spLocks noGrp="1"/>
-          </p:cNvSpPr>
-          <p:nvPr>
-            <p:ph idx="1"/>
-          </p:nvPr>
-        </p:nvSpPr>
-        <p:spPr/>
-        <p:txBody>
-          <a:bodyPr/>
-          <a:lstStyle/>
-          <a:p>
-            <a:endParaRPr lang="pl-PL" dirty="0"/>
-          </a:p>
-        </p:txBody>
-      </p:sp>
-      <p:sp>
-        <p:nvSpPr>
           <p:cNvPr id="4" name="Strzałka zakrzywiona w lewo 3">
             <a:hlinkClick r:id="rId2" action="ppaction://hlinksldjump"/>
           </p:cNvPr>
@@ -8706,18 +8834,149 @@
           </a:p>
         </p:txBody>
       </p:sp>
+      <p:pic>
+        <p:nvPicPr>
+          <p:cNvPr id="5" name="Obraz 4">
+            <a:extLst>
+              <a:ext uri="{FF2B5EF4-FFF2-40B4-BE49-F238E27FC236}">
+                <a16:creationId xmlns:a16="http://schemas.microsoft.com/office/drawing/2014/main" id="{FCA1D4E8-1408-4B67-87BF-E18B0B0C75E0}"/>
+              </a:ext>
+            </a:extLst>
+          </p:cNvPr>
+          <p:cNvPicPr>
+            <a:picLocks noChangeAspect="1"/>
+          </p:cNvPicPr>
+          <p:nvPr/>
+        </p:nvPicPr>
+        <p:blipFill rotWithShape="1">
+          <a:blip r:embed="rId3"/>
+          <a:srcRect l="13387" t="24800" r="50388" b="38800"/>
+          <a:stretch/>
+        </p:blipFill>
+        <p:spPr>
+          <a:xfrm>
+            <a:off x="113296" y="1163299"/>
+            <a:ext cx="8917407" cy="5040273"/>
+          </a:xfrm>
+          <a:prstGeom prst="rect">
+            <a:avLst/>
+          </a:prstGeom>
+        </p:spPr>
+      </p:pic>
+      <p:sp>
+        <p:nvSpPr>
+          <p:cNvPr id="6" name="Owal 5">
+            <a:extLst>
+              <a:ext uri="{FF2B5EF4-FFF2-40B4-BE49-F238E27FC236}">
+                <a16:creationId xmlns:a16="http://schemas.microsoft.com/office/drawing/2014/main" id="{E6C82336-BA51-46C0-A495-0A859FBB1392}"/>
+              </a:ext>
+            </a:extLst>
+          </p:cNvPr>
+          <p:cNvSpPr/>
+          <p:nvPr/>
+        </p:nvSpPr>
+        <p:spPr>
+          <a:xfrm rot="2580000">
+            <a:off x="7795241" y="5206653"/>
+            <a:ext cx="576064" cy="1152128"/>
+          </a:xfrm>
+          <a:prstGeom prst="ellipse">
+            <a:avLst/>
+          </a:prstGeom>
+          <a:noFill/>
+          <a:ln w="57150">
+            <a:solidFill>
+              <a:schemeClr val="accent2"/>
+            </a:solidFill>
+          </a:ln>
+        </p:spPr>
+        <p:style>
+          <a:lnRef idx="2">
+            <a:schemeClr val="accent1">
+              <a:shade val="50000"/>
+            </a:schemeClr>
+          </a:lnRef>
+          <a:fillRef idx="1">
+            <a:schemeClr val="accent1"/>
+          </a:fillRef>
+          <a:effectRef idx="0">
+            <a:schemeClr val="accent1"/>
+          </a:effectRef>
+          <a:fontRef idx="minor">
+            <a:schemeClr val="lt1"/>
+          </a:fontRef>
+        </p:style>
+        <p:txBody>
+          <a:bodyPr rtlCol="0" anchor="ctr"/>
+          <a:lstStyle/>
+          <a:p>
+            <a:pPr algn="ctr"/>
+            <a:endParaRPr lang="en-GB">
+              <a:noFill/>
+            </a:endParaRPr>
+          </a:p>
+        </p:txBody>
+      </p:sp>
+      <p:sp>
+        <p:nvSpPr>
+          <p:cNvPr id="7" name="pole tekstowe 6">
+            <a:extLst>
+              <a:ext uri="{FF2B5EF4-FFF2-40B4-BE49-F238E27FC236}">
+                <a16:creationId xmlns:a16="http://schemas.microsoft.com/office/drawing/2014/main" id="{559882A0-8BC2-4373-A78E-B7161E31E581}"/>
+              </a:ext>
+            </a:extLst>
+          </p:cNvPr>
+          <p:cNvSpPr txBox="1"/>
+          <p:nvPr/>
+        </p:nvSpPr>
+        <p:spPr>
+          <a:xfrm>
+            <a:off x="754226" y="6264180"/>
+            <a:ext cx="7056784" cy="369332"/>
+          </a:xfrm>
+          <a:prstGeom prst="rect">
+            <a:avLst/>
+          </a:prstGeom>
+          <a:noFill/>
+        </p:spPr>
+        <p:txBody>
+          <a:bodyPr wrap="square" rtlCol="0">
+            <a:spAutoFit/>
+          </a:bodyPr>
+          <a:lstStyle/>
+          <a:p>
+            <a:r>
+              <a:rPr lang="en-GB" dirty="0" err="1"/>
+              <a:t>Jak</a:t>
+            </a:r>
+            <a:r>
+              <a:rPr lang="en-GB" dirty="0"/>
+              <a:t> </a:t>
+            </a:r>
+            <a:r>
+              <a:rPr lang="en-GB" dirty="0" err="1"/>
+              <a:t>podać</a:t>
+            </a:r>
+            <a:r>
+              <a:rPr lang="en-GB" dirty="0"/>
+              <a:t> </a:t>
+            </a:r>
+            <a:r>
+              <a:rPr lang="en-GB" dirty="0" err="1"/>
+              <a:t>źródła</a:t>
+            </a:r>
+            <a:r>
+              <a:rPr lang="en-GB" dirty="0"/>
+              <a:t>?</a:t>
+            </a:r>
+          </a:p>
+        </p:txBody>
+      </p:sp>
     </p:spTree>
   </p:cSld>
   <p:clrMapOvr>
     <a:masterClrMapping/>
   </p:clrMapOvr>
-  <p:timing>
-    <p:tnLst>
-      <p:par>
-        <p:cTn id="1" dur="indefinite" restart="never" nodeType="tmRoot"/>
-      </p:par>
-    </p:tnLst>
-  </p:timing>
 </p:sld>
 </file>
 
@@ -8754,10 +9013,9 @@
           <a:lstStyle/>
           <a:p>
             <a:r>
-              <a:rPr lang="pl-PL" dirty="0" smtClean="0"/>
+              <a:rPr lang="pl-PL" dirty="0"/>
               <a:t>Używane skale</a:t>
             </a:r>
-            <a:endParaRPr lang="pl-PL" dirty="0"/>
           </a:p>
         </p:txBody>
       </p:sp>
@@ -8785,13 +9043,6 @@
   <p:clrMapOvr>
     <a:masterClrMapping/>
   </p:clrMapOvr>
-  <p:timing>
-    <p:tnLst>
-      <p:par>
-        <p:cTn id="1" dur="indefinite" restart="never" nodeType="tmRoot"/>
-      </p:par>
-    </p:tnLst>
-  </p:timing>
 </p:sld>
 </file>
 
@@ -8828,29 +9079,10 @@
           <a:lstStyle/>
           <a:p>
             <a:r>
-              <a:rPr lang="pl-PL" dirty="0" err="1" smtClean="0"/>
+              <a:rPr lang="pl-PL" dirty="0" err="1"/>
               <a:t>pTNM</a:t>
             </a:r>
             <a:endParaRPr lang="pl-PL" dirty="0"/>
-          </a:p>
-        </p:txBody>
-      </p:sp>
-      <p:sp>
-        <p:nvSpPr>
-          <p:cNvPr id="7" name="Symbol zastępczy zawartości 6"/>
-          <p:cNvSpPr>
-            <a:spLocks noGrp="1"/>
-          </p:cNvSpPr>
-          <p:nvPr>
-            <p:ph idx="1"/>
-          </p:nvPr>
-        </p:nvSpPr>
-        <p:spPr/>
-        <p:txBody>
-          <a:bodyPr/>
-          <a:lstStyle/>
-          <a:p>
-            <a:endParaRPr lang="pl-PL"/>
           </a:p>
         </p:txBody>
       </p:sp>
@@ -8900,18 +9132,977 @@
           </a:p>
         </p:txBody>
       </p:sp>
+      <p:graphicFrame>
+        <p:nvGraphicFramePr>
+          <p:cNvPr id="2" name="Tabela 1">
+            <a:extLst>
+              <a:ext uri="{FF2B5EF4-FFF2-40B4-BE49-F238E27FC236}">
+                <a16:creationId xmlns:a16="http://schemas.microsoft.com/office/drawing/2014/main" id="{77B3DA8E-4C7C-4158-A554-EC515F43835D}"/>
+              </a:ext>
+            </a:extLst>
+          </p:cNvPr>
+          <p:cNvGraphicFramePr>
+            <a:graphicFrameLocks noGrp="1"/>
+          </p:cNvGraphicFramePr>
+          <p:nvPr>
+            <p:extLst>
+              <p:ext uri="{D42A27DB-BD31-4B8C-83A1-F6EECF244321}">
+                <p14:modId xmlns:p14="http://schemas.microsoft.com/office/powerpoint/2010/main" val="3929887204"/>
+              </p:ext>
+            </p:extLst>
+          </p:nvPr>
+        </p:nvGraphicFramePr>
+        <p:xfrm>
+          <a:off x="116290" y="1293608"/>
+          <a:ext cx="4519930" cy="1854200"/>
+        </p:xfrm>
+        <a:graphic>
+          <a:graphicData uri="http://schemas.openxmlformats.org/drawingml/2006/table">
+            <a:tbl>
+              <a:tblPr firstRow="1" bandRow="1">
+                <a:tableStyleId>{5DA37D80-6434-44D0-A028-1B22A696006F}</a:tableStyleId>
+              </a:tblPr>
+              <a:tblGrid>
+                <a:gridCol w="1471930">
+                  <a:extLst>
+                    <a:ext uri="{9D8B030D-6E8A-4147-A177-3AD203B41FA5}">
+                      <a16:colId xmlns:a16="http://schemas.microsoft.com/office/drawing/2014/main" val="3788681469"/>
+                    </a:ext>
+                  </a:extLst>
+                </a:gridCol>
+                <a:gridCol w="3048000">
+                  <a:extLst>
+                    <a:ext uri="{9D8B030D-6E8A-4147-A177-3AD203B41FA5}">
+                      <a16:colId xmlns:a16="http://schemas.microsoft.com/office/drawing/2014/main" val="1234601138"/>
+                    </a:ext>
+                  </a:extLst>
+                </a:gridCol>
+              </a:tblGrid>
+              <a:tr h="370840">
+                <a:tc gridSpan="2">
+                  <a:txBody>
+                    <a:bodyPr/>
+                    <a:lstStyle/>
+                    <a:p>
+                      <a:pPr algn="ctr"/>
+                      <a:r>
+                        <a:rPr lang="en-GB" dirty="0" err="1"/>
+                        <a:t>pT</a:t>
+                      </a:r>
+                      <a:r>
+                        <a:rPr lang="en-GB" dirty="0"/>
+                        <a:t> (</a:t>
+                      </a:r>
+                      <a:r>
+                        <a:rPr lang="en-GB" dirty="0" err="1"/>
+                        <a:t>guz</a:t>
+                      </a:r>
+                      <a:r>
+                        <a:rPr lang="en-GB" dirty="0"/>
+                        <a:t>)</a:t>
+                      </a:r>
+                    </a:p>
+                  </a:txBody>
+                  <a:tcPr anchor="ctr"/>
+                </a:tc>
+                <a:tc hMerge="1">
+                  <a:txBody>
+                    <a:bodyPr/>
+                    <a:lstStyle/>
+                    <a:p>
+                      <a:endParaRPr lang="en-GB" dirty="0"/>
+                    </a:p>
+                  </a:txBody>
+                  <a:tcPr/>
+                </a:tc>
+                <a:extLst>
+                  <a:ext uri="{0D108BD9-81ED-4DB2-BD59-A6C34878D82A}">
+                    <a16:rowId xmlns:a16="http://schemas.microsoft.com/office/drawing/2014/main" val="750163841"/>
+                  </a:ext>
+                </a:extLst>
+              </a:tr>
+              <a:tr h="370840">
+                <a:tc>
+                  <a:txBody>
+                    <a:bodyPr/>
+                    <a:lstStyle/>
+                    <a:p>
+                      <a:pPr algn="ctr"/>
+                      <a:r>
+                        <a:rPr lang="en-GB" dirty="0" err="1"/>
+                        <a:t>Tx</a:t>
+                      </a:r>
+                      <a:endParaRPr lang="en-GB" dirty="0"/>
+                    </a:p>
+                  </a:txBody>
+                  <a:tcPr anchor="ctr"/>
+                </a:tc>
+                <a:tc>
+                  <a:txBody>
+                    <a:bodyPr/>
+                    <a:lstStyle/>
+                    <a:p>
+                      <a:pPr algn="ctr"/>
+                      <a:r>
+                        <a:rPr lang="en-GB" dirty="0" err="1"/>
+                        <a:t>Nie</a:t>
+                      </a:r>
+                      <a:r>
+                        <a:rPr lang="en-GB" dirty="0"/>
+                        <a:t> </a:t>
+                      </a:r>
+                      <a:r>
+                        <a:rPr lang="en-GB" dirty="0" err="1"/>
+                        <a:t>można</a:t>
+                      </a:r>
+                      <a:r>
+                        <a:rPr lang="en-GB" dirty="0"/>
+                        <a:t> </a:t>
+                      </a:r>
+                      <a:r>
+                        <a:rPr lang="en-GB" dirty="0" err="1"/>
+                        <a:t>ocenić</a:t>
+                      </a:r>
+                      <a:endParaRPr lang="en-GB" dirty="0"/>
+                    </a:p>
+                  </a:txBody>
+                  <a:tcPr anchor="ctr"/>
+                </a:tc>
+                <a:extLst>
+                  <a:ext uri="{0D108BD9-81ED-4DB2-BD59-A6C34878D82A}">
+                    <a16:rowId xmlns:a16="http://schemas.microsoft.com/office/drawing/2014/main" val="1314797313"/>
+                  </a:ext>
+                </a:extLst>
+              </a:tr>
+              <a:tr h="370840">
+                <a:tc>
+                  <a:txBody>
+                    <a:bodyPr/>
+                    <a:lstStyle/>
+                    <a:p>
+                      <a:pPr algn="ctr"/>
+                      <a:r>
+                        <a:rPr lang="en-GB" dirty="0"/>
+                        <a:t>Tis</a:t>
+                      </a:r>
+                    </a:p>
+                  </a:txBody>
+                  <a:tcPr anchor="ctr"/>
+                </a:tc>
+                <a:tc>
+                  <a:txBody>
+                    <a:bodyPr/>
+                    <a:lstStyle/>
+                    <a:p>
+                      <a:pPr algn="ctr"/>
+                      <a:r>
+                        <a:rPr lang="en-GB" dirty="0" err="1"/>
+                        <a:t>Rak</a:t>
+                      </a:r>
+                      <a:r>
+                        <a:rPr lang="en-GB" dirty="0"/>
+                        <a:t> in situ</a:t>
+                      </a:r>
+                    </a:p>
+                  </a:txBody>
+                  <a:tcPr anchor="ctr"/>
+                </a:tc>
+                <a:extLst>
+                  <a:ext uri="{0D108BD9-81ED-4DB2-BD59-A6C34878D82A}">
+                    <a16:rowId xmlns:a16="http://schemas.microsoft.com/office/drawing/2014/main" val="3607658809"/>
+                  </a:ext>
+                </a:extLst>
+              </a:tr>
+              <a:tr h="370840">
+                <a:tc>
+                  <a:txBody>
+                    <a:bodyPr/>
+                    <a:lstStyle/>
+                    <a:p>
+                      <a:pPr algn="ctr"/>
+                      <a:r>
+                        <a:rPr lang="en-GB" dirty="0"/>
+                        <a:t>T0</a:t>
+                      </a:r>
+                    </a:p>
+                  </a:txBody>
+                  <a:tcPr anchor="ctr"/>
+                </a:tc>
+                <a:tc>
+                  <a:txBody>
+                    <a:bodyPr/>
+                    <a:lstStyle/>
+                    <a:p>
+                      <a:pPr algn="ctr"/>
+                      <a:r>
+                        <a:rPr lang="en-GB" dirty="0" err="1"/>
+                        <a:t>Brak</a:t>
+                      </a:r>
+                      <a:r>
+                        <a:rPr lang="en-GB" dirty="0"/>
+                        <a:t> </a:t>
+                      </a:r>
+                      <a:r>
+                        <a:rPr lang="en-GB" dirty="0" err="1"/>
+                        <a:t>śladów</a:t>
+                      </a:r>
+                      <a:r>
+                        <a:rPr lang="en-GB" dirty="0"/>
+                        <a:t> </a:t>
+                      </a:r>
+                      <a:r>
+                        <a:rPr lang="en-GB" dirty="0" err="1"/>
+                        <a:t>guza</a:t>
+                      </a:r>
+                      <a:endParaRPr lang="en-GB" dirty="0"/>
+                    </a:p>
+                  </a:txBody>
+                  <a:tcPr anchor="ctr"/>
+                </a:tc>
+                <a:extLst>
+                  <a:ext uri="{0D108BD9-81ED-4DB2-BD59-A6C34878D82A}">
+                    <a16:rowId xmlns:a16="http://schemas.microsoft.com/office/drawing/2014/main" val="2334121157"/>
+                  </a:ext>
+                </a:extLst>
+              </a:tr>
+              <a:tr h="370840">
+                <a:tc>
+                  <a:txBody>
+                    <a:bodyPr/>
+                    <a:lstStyle/>
+                    <a:p>
+                      <a:pPr algn="ctr"/>
+                      <a:r>
+                        <a:rPr lang="en-GB" dirty="0"/>
+                        <a:t>T1, T2, T3, T4</a:t>
+                      </a:r>
+                    </a:p>
+                  </a:txBody>
+                  <a:tcPr anchor="ctr"/>
+                </a:tc>
+                <a:tc>
+                  <a:txBody>
+                    <a:bodyPr/>
+                    <a:lstStyle/>
+                    <a:p>
+                      <a:pPr algn="ctr"/>
+                      <a:r>
+                        <a:rPr lang="en-GB" dirty="0" err="1"/>
+                        <a:t>Etapy</a:t>
+                      </a:r>
+                      <a:r>
+                        <a:rPr lang="en-GB" dirty="0"/>
+                        <a:t> </a:t>
+                      </a:r>
+                      <a:r>
+                        <a:rPr lang="en-GB" dirty="0" err="1"/>
+                        <a:t>wzrostu</a:t>
+                      </a:r>
+                      <a:r>
+                        <a:rPr lang="en-GB" dirty="0"/>
+                        <a:t> </a:t>
+                      </a:r>
+                      <a:r>
+                        <a:rPr lang="en-GB" dirty="0" err="1"/>
+                        <a:t>i</a:t>
+                      </a:r>
+                      <a:r>
+                        <a:rPr lang="en-GB" dirty="0"/>
+                        <a:t> </a:t>
+                      </a:r>
+                      <a:r>
+                        <a:rPr lang="en-GB" dirty="0" err="1"/>
+                        <a:t>rozwoju</a:t>
+                      </a:r>
+                      <a:r>
+                        <a:rPr lang="en-GB" dirty="0"/>
+                        <a:t> </a:t>
+                      </a:r>
+                      <a:r>
+                        <a:rPr lang="en-GB" dirty="0" err="1"/>
+                        <a:t>guza</a:t>
+                      </a:r>
+                      <a:endParaRPr lang="en-GB" dirty="0"/>
+                    </a:p>
+                  </a:txBody>
+                  <a:tcPr anchor="ctr"/>
+                </a:tc>
+                <a:extLst>
+                  <a:ext uri="{0D108BD9-81ED-4DB2-BD59-A6C34878D82A}">
+                    <a16:rowId xmlns:a16="http://schemas.microsoft.com/office/drawing/2014/main" val="1926901916"/>
+                  </a:ext>
+                </a:extLst>
+              </a:tr>
+            </a:tbl>
+          </a:graphicData>
+        </a:graphic>
+      </p:graphicFrame>
+      <p:sp>
+        <p:nvSpPr>
+          <p:cNvPr id="3" name="pole tekstowe 2">
+            <a:extLst>
+              <a:ext uri="{FF2B5EF4-FFF2-40B4-BE49-F238E27FC236}">
+                <a16:creationId xmlns:a16="http://schemas.microsoft.com/office/drawing/2014/main" id="{6A497F9D-4243-40BF-A094-ADD1F0895440}"/>
+              </a:ext>
+            </a:extLst>
+          </p:cNvPr>
+          <p:cNvSpPr txBox="1"/>
+          <p:nvPr/>
+        </p:nvSpPr>
+        <p:spPr>
+          <a:xfrm>
+            <a:off x="755576" y="5661248"/>
+            <a:ext cx="2232248" cy="369332"/>
+          </a:xfrm>
+          <a:prstGeom prst="rect">
+            <a:avLst/>
+          </a:prstGeom>
+          <a:noFill/>
+        </p:spPr>
+        <p:txBody>
+          <a:bodyPr wrap="square" rtlCol="0">
+            <a:spAutoFit/>
+          </a:bodyPr>
+          <a:lstStyle/>
+          <a:p>
+            <a:r>
+              <a:rPr lang="en-GB" dirty="0" err="1"/>
+              <a:t>Źródło</a:t>
+            </a:r>
+            <a:r>
+              <a:rPr lang="en-GB" dirty="0"/>
+              <a:t>: Wikipedia</a:t>
+            </a:r>
+          </a:p>
+        </p:txBody>
+      </p:sp>
+      <p:graphicFrame>
+        <p:nvGraphicFramePr>
+          <p:cNvPr id="9" name="Tabela 8">
+            <a:extLst>
+              <a:ext uri="{FF2B5EF4-FFF2-40B4-BE49-F238E27FC236}">
+                <a16:creationId xmlns:a16="http://schemas.microsoft.com/office/drawing/2014/main" id="{2A8888D1-E847-413B-972D-E69EFCD466E9}"/>
+              </a:ext>
+            </a:extLst>
+          </p:cNvPr>
+          <p:cNvGraphicFramePr>
+            <a:graphicFrameLocks noGrp="1"/>
+          </p:cNvGraphicFramePr>
+          <p:nvPr>
+            <p:extLst>
+              <p:ext uri="{D42A27DB-BD31-4B8C-83A1-F6EECF244321}">
+                <p14:modId xmlns:p14="http://schemas.microsoft.com/office/powerpoint/2010/main" val="3411605222"/>
+              </p:ext>
+            </p:extLst>
+          </p:nvPr>
+        </p:nvGraphicFramePr>
+        <p:xfrm>
+          <a:off x="3870944" y="3284984"/>
+          <a:ext cx="5167062" cy="2225040"/>
+        </p:xfrm>
+        <a:graphic>
+          <a:graphicData uri="http://schemas.openxmlformats.org/drawingml/2006/table">
+            <a:tbl>
+              <a:tblPr firstRow="1" bandRow="1">
+                <a:tableStyleId>{5DA37D80-6434-44D0-A028-1B22A696006F}</a:tableStyleId>
+              </a:tblPr>
+              <a:tblGrid>
+                <a:gridCol w="1255906">
+                  <a:extLst>
+                    <a:ext uri="{9D8B030D-6E8A-4147-A177-3AD203B41FA5}">
+                      <a16:colId xmlns:a16="http://schemas.microsoft.com/office/drawing/2014/main" val="3788681469"/>
+                    </a:ext>
+                  </a:extLst>
+                </a:gridCol>
+                <a:gridCol w="3911156">
+                  <a:extLst>
+                    <a:ext uri="{9D8B030D-6E8A-4147-A177-3AD203B41FA5}">
+                      <a16:colId xmlns:a16="http://schemas.microsoft.com/office/drawing/2014/main" val="1234601138"/>
+                    </a:ext>
+                  </a:extLst>
+                </a:gridCol>
+              </a:tblGrid>
+              <a:tr h="370840">
+                <a:tc gridSpan="2">
+                  <a:txBody>
+                    <a:bodyPr/>
+                    <a:lstStyle/>
+                    <a:p>
+                      <a:pPr algn="ctr"/>
+                      <a:r>
+                        <a:rPr lang="en-GB" dirty="0" err="1"/>
+                        <a:t>pN</a:t>
+                      </a:r>
+                      <a:r>
+                        <a:rPr lang="en-GB" dirty="0"/>
+                        <a:t> (</a:t>
+                      </a:r>
+                      <a:r>
+                        <a:rPr lang="en-GB" dirty="0" err="1"/>
+                        <a:t>zajęte</a:t>
+                      </a:r>
+                      <a:r>
+                        <a:rPr lang="en-GB" dirty="0"/>
+                        <a:t> </a:t>
+                      </a:r>
+                      <a:r>
+                        <a:rPr lang="en-GB" dirty="0" err="1"/>
+                        <a:t>węzły</a:t>
+                      </a:r>
+                      <a:r>
+                        <a:rPr lang="en-GB" dirty="0"/>
+                        <a:t> </a:t>
+                      </a:r>
+                      <a:r>
+                        <a:rPr lang="en-GB" dirty="0" err="1"/>
+                        <a:t>chłonne</a:t>
+                      </a:r>
+                      <a:r>
+                        <a:rPr lang="en-GB" dirty="0"/>
+                        <a:t>)</a:t>
+                      </a:r>
+                    </a:p>
+                  </a:txBody>
+                  <a:tcPr anchor="ctr"/>
+                </a:tc>
+                <a:tc hMerge="1">
+                  <a:txBody>
+                    <a:bodyPr/>
+                    <a:lstStyle/>
+                    <a:p>
+                      <a:endParaRPr lang="en-GB" dirty="0"/>
+                    </a:p>
+                  </a:txBody>
+                  <a:tcPr/>
+                </a:tc>
+                <a:extLst>
+                  <a:ext uri="{0D108BD9-81ED-4DB2-BD59-A6C34878D82A}">
+                    <a16:rowId xmlns:a16="http://schemas.microsoft.com/office/drawing/2014/main" val="750163841"/>
+                  </a:ext>
+                </a:extLst>
+              </a:tr>
+              <a:tr h="370840">
+                <a:tc>
+                  <a:txBody>
+                    <a:bodyPr/>
+                    <a:lstStyle/>
+                    <a:p>
+                      <a:pPr algn="ctr"/>
+                      <a:r>
+                        <a:rPr lang="en-GB" dirty="0" err="1"/>
+                        <a:t>Nx</a:t>
+                      </a:r>
+                      <a:endParaRPr lang="en-GB" dirty="0"/>
+                    </a:p>
+                  </a:txBody>
+                  <a:tcPr anchor="ctr"/>
+                </a:tc>
+                <a:tc>
+                  <a:txBody>
+                    <a:bodyPr/>
+                    <a:lstStyle/>
+                    <a:p>
+                      <a:pPr algn="ctr"/>
+                      <a:r>
+                        <a:rPr lang="en-GB" dirty="0" err="1"/>
+                        <a:t>Nie</a:t>
+                      </a:r>
+                      <a:r>
+                        <a:rPr lang="en-GB" dirty="0"/>
+                        <a:t> </a:t>
+                      </a:r>
+                      <a:r>
+                        <a:rPr lang="en-GB" dirty="0" err="1"/>
+                        <a:t>można</a:t>
+                      </a:r>
+                      <a:r>
+                        <a:rPr lang="en-GB" dirty="0"/>
+                        <a:t> </a:t>
+                      </a:r>
+                      <a:r>
+                        <a:rPr lang="en-GB" dirty="0" err="1"/>
+                        <a:t>ocenić</a:t>
+                      </a:r>
+                      <a:endParaRPr lang="en-GB" dirty="0"/>
+                    </a:p>
+                  </a:txBody>
+                  <a:tcPr anchor="ctr"/>
+                </a:tc>
+                <a:extLst>
+                  <a:ext uri="{0D108BD9-81ED-4DB2-BD59-A6C34878D82A}">
+                    <a16:rowId xmlns:a16="http://schemas.microsoft.com/office/drawing/2014/main" val="1314797313"/>
+                  </a:ext>
+                </a:extLst>
+              </a:tr>
+              <a:tr h="370840">
+                <a:tc>
+                  <a:txBody>
+                    <a:bodyPr/>
+                    <a:lstStyle/>
+                    <a:p>
+                      <a:pPr algn="ctr"/>
+                      <a:r>
+                        <a:rPr lang="en-GB" dirty="0"/>
+                        <a:t>N0</a:t>
+                      </a:r>
+                    </a:p>
+                  </a:txBody>
+                  <a:tcPr anchor="ctr"/>
+                </a:tc>
+                <a:tc>
+                  <a:txBody>
+                    <a:bodyPr/>
+                    <a:lstStyle/>
+                    <a:p>
+                      <a:pPr algn="ctr"/>
+                      <a:r>
+                        <a:rPr lang="en-GB" dirty="0" err="1"/>
+                        <a:t>Brak</a:t>
+                      </a:r>
+                      <a:r>
+                        <a:rPr lang="en-GB" dirty="0"/>
+                        <a:t> </a:t>
+                      </a:r>
+                      <a:r>
+                        <a:rPr lang="en-GB" dirty="0" err="1"/>
+                        <a:t>przerzutów</a:t>
+                      </a:r>
+                      <a:r>
+                        <a:rPr lang="en-GB" dirty="0"/>
+                        <a:t> do </a:t>
+                      </a:r>
+                      <a:r>
+                        <a:rPr lang="en-GB" dirty="0" err="1"/>
+                        <a:t>okolicznych</a:t>
+                      </a:r>
+                      <a:r>
+                        <a:rPr lang="en-GB" dirty="0"/>
+                        <a:t> </a:t>
+                      </a:r>
+                      <a:r>
+                        <a:rPr lang="en-GB" dirty="0" err="1"/>
+                        <a:t>węzłów</a:t>
+                      </a:r>
+                      <a:endParaRPr lang="en-GB" dirty="0"/>
+                    </a:p>
+                  </a:txBody>
+                  <a:tcPr anchor="ctr"/>
+                </a:tc>
+                <a:extLst>
+                  <a:ext uri="{0D108BD9-81ED-4DB2-BD59-A6C34878D82A}">
+                    <a16:rowId xmlns:a16="http://schemas.microsoft.com/office/drawing/2014/main" val="3607658809"/>
+                  </a:ext>
+                </a:extLst>
+              </a:tr>
+              <a:tr h="370840">
+                <a:tc>
+                  <a:txBody>
+                    <a:bodyPr/>
+                    <a:lstStyle/>
+                    <a:p>
+                      <a:pPr algn="ctr"/>
+                      <a:r>
+                        <a:rPr lang="en-GB" dirty="0"/>
+                        <a:t>N1</a:t>
+                      </a:r>
+                    </a:p>
+                  </a:txBody>
+                  <a:tcPr anchor="ctr"/>
+                </a:tc>
+                <a:tc>
+                  <a:txBody>
+                    <a:bodyPr/>
+                    <a:lstStyle/>
+                    <a:p>
+                      <a:pPr algn="ctr"/>
+                      <a:r>
+                        <a:rPr lang="en-GB" dirty="0" err="1"/>
+                        <a:t>Przerzut</a:t>
+                      </a:r>
+                      <a:r>
+                        <a:rPr lang="en-GB" dirty="0"/>
+                        <a:t> do </a:t>
+                      </a:r>
+                      <a:r>
+                        <a:rPr lang="en-GB" dirty="0" err="1"/>
+                        <a:t>okolicznych</a:t>
+                      </a:r>
+                      <a:r>
+                        <a:rPr lang="en-GB" dirty="0"/>
+                        <a:t> </a:t>
+                      </a:r>
+                      <a:r>
+                        <a:rPr lang="en-GB" dirty="0" err="1"/>
+                        <a:t>węzłów</a:t>
+                      </a:r>
+                      <a:endParaRPr lang="en-GB" dirty="0"/>
+                    </a:p>
+                  </a:txBody>
+                  <a:tcPr anchor="ctr"/>
+                </a:tc>
+                <a:extLst>
+                  <a:ext uri="{0D108BD9-81ED-4DB2-BD59-A6C34878D82A}">
+                    <a16:rowId xmlns:a16="http://schemas.microsoft.com/office/drawing/2014/main" val="2334121157"/>
+                  </a:ext>
+                </a:extLst>
+              </a:tr>
+              <a:tr h="370840">
+                <a:tc>
+                  <a:txBody>
+                    <a:bodyPr/>
+                    <a:lstStyle/>
+                    <a:p>
+                      <a:pPr algn="ctr"/>
+                      <a:r>
+                        <a:rPr lang="en-GB" dirty="0"/>
+                        <a:t>N2</a:t>
+                      </a:r>
+                    </a:p>
+                  </a:txBody>
+                  <a:tcPr anchor="ctr"/>
+                </a:tc>
+                <a:tc>
+                  <a:txBody>
+                    <a:bodyPr/>
+                    <a:lstStyle/>
+                    <a:p>
+                      <a:pPr algn="ctr"/>
+                      <a:r>
+                        <a:rPr lang="en-GB" dirty="0" err="1"/>
+                        <a:t>Pomiędzy</a:t>
+                      </a:r>
+                      <a:r>
+                        <a:rPr lang="en-GB" dirty="0"/>
+                        <a:t> N1 </a:t>
+                      </a:r>
+                      <a:r>
+                        <a:rPr lang="en-GB" dirty="0" err="1"/>
+                        <a:t>i</a:t>
+                      </a:r>
+                      <a:r>
+                        <a:rPr lang="en-GB" dirty="0"/>
+                        <a:t> N3</a:t>
+                      </a:r>
+                    </a:p>
+                  </a:txBody>
+                  <a:tcPr anchor="ctr"/>
+                </a:tc>
+                <a:extLst>
+                  <a:ext uri="{0D108BD9-81ED-4DB2-BD59-A6C34878D82A}">
+                    <a16:rowId xmlns:a16="http://schemas.microsoft.com/office/drawing/2014/main" val="3733607169"/>
+                  </a:ext>
+                </a:extLst>
+              </a:tr>
+              <a:tr h="370840">
+                <a:tc>
+                  <a:txBody>
+                    <a:bodyPr/>
+                    <a:lstStyle/>
+                    <a:p>
+                      <a:pPr algn="ctr"/>
+                      <a:r>
+                        <a:rPr lang="en-GB" dirty="0"/>
+                        <a:t>N3</a:t>
+                      </a:r>
+                    </a:p>
+                  </a:txBody>
+                  <a:tcPr anchor="ctr"/>
+                </a:tc>
+                <a:tc>
+                  <a:txBody>
+                    <a:bodyPr/>
+                    <a:lstStyle/>
+                    <a:p>
+                      <a:pPr algn="ctr"/>
+                      <a:r>
+                        <a:rPr lang="en-GB" dirty="0" err="1"/>
+                        <a:t>Przerzut</a:t>
+                      </a:r>
+                      <a:r>
+                        <a:rPr lang="en-GB" dirty="0"/>
+                        <a:t> do </a:t>
+                      </a:r>
+                      <a:r>
+                        <a:rPr lang="en-GB" dirty="0" err="1"/>
+                        <a:t>odległych</a:t>
+                      </a:r>
+                      <a:r>
+                        <a:rPr lang="en-GB" dirty="0"/>
+                        <a:t> </a:t>
+                      </a:r>
+                      <a:r>
+                        <a:rPr lang="en-GB" dirty="0" err="1"/>
+                        <a:t>węzłów</a:t>
+                      </a:r>
+                      <a:endParaRPr lang="en-GB" dirty="0"/>
+                    </a:p>
+                  </a:txBody>
+                  <a:tcPr anchor="ctr"/>
+                </a:tc>
+                <a:extLst>
+                  <a:ext uri="{0D108BD9-81ED-4DB2-BD59-A6C34878D82A}">
+                    <a16:rowId xmlns:a16="http://schemas.microsoft.com/office/drawing/2014/main" val="1926901916"/>
+                  </a:ext>
+                </a:extLst>
+              </a:tr>
+            </a:tbl>
+          </a:graphicData>
+        </a:graphic>
+      </p:graphicFrame>
+      <p:graphicFrame>
+        <p:nvGraphicFramePr>
+          <p:cNvPr id="10" name="Tabela 9">
+            <a:extLst>
+              <a:ext uri="{FF2B5EF4-FFF2-40B4-BE49-F238E27FC236}">
+                <a16:creationId xmlns:a16="http://schemas.microsoft.com/office/drawing/2014/main" id="{4DD69FF1-0967-48B2-9FAE-3FBDE1FA4DBF}"/>
+              </a:ext>
+            </a:extLst>
+          </p:cNvPr>
+          <p:cNvGraphicFramePr>
+            <a:graphicFrameLocks noGrp="1"/>
+          </p:cNvGraphicFramePr>
+          <p:nvPr>
+            <p:extLst>
+              <p:ext uri="{D42A27DB-BD31-4B8C-83A1-F6EECF244321}">
+                <p14:modId xmlns:p14="http://schemas.microsoft.com/office/powerpoint/2010/main" val="916881175"/>
+              </p:ext>
+            </p:extLst>
+          </p:nvPr>
+        </p:nvGraphicFramePr>
+        <p:xfrm>
+          <a:off x="125018" y="3923856"/>
+          <a:ext cx="3443796" cy="1463040"/>
+        </p:xfrm>
+        <a:graphic>
+          <a:graphicData uri="http://schemas.openxmlformats.org/drawingml/2006/table">
+            <a:tbl>
+              <a:tblPr firstRow="1" bandRow="1">
+                <a:tableStyleId>{5DA37D80-6434-44D0-A028-1B22A696006F}</a:tableStyleId>
+              </a:tblPr>
+              <a:tblGrid>
+                <a:gridCol w="598805">
+                  <a:extLst>
+                    <a:ext uri="{9D8B030D-6E8A-4147-A177-3AD203B41FA5}">
+                      <a16:colId xmlns:a16="http://schemas.microsoft.com/office/drawing/2014/main" val="3788681469"/>
+                    </a:ext>
+                  </a:extLst>
+                </a:gridCol>
+                <a:gridCol w="2844991">
+                  <a:extLst>
+                    <a:ext uri="{9D8B030D-6E8A-4147-A177-3AD203B41FA5}">
+                      <a16:colId xmlns:a16="http://schemas.microsoft.com/office/drawing/2014/main" val="1234601138"/>
+                    </a:ext>
+                  </a:extLst>
+                </a:gridCol>
+              </a:tblGrid>
+              <a:tr h="284332">
+                <a:tc gridSpan="2">
+                  <a:txBody>
+                    <a:bodyPr/>
+                    <a:lstStyle/>
+                    <a:p>
+                      <a:pPr algn="ctr"/>
+                      <a:r>
+                        <a:rPr lang="en-GB" dirty="0" err="1"/>
+                        <a:t>pM</a:t>
+                      </a:r>
+                      <a:r>
+                        <a:rPr lang="en-GB" dirty="0"/>
+                        <a:t> (</a:t>
+                      </a:r>
+                      <a:r>
+                        <a:rPr lang="en-GB" dirty="0" err="1"/>
+                        <a:t>dalekie</a:t>
+                      </a:r>
+                      <a:r>
+                        <a:rPr lang="en-GB" dirty="0"/>
+                        <a:t> </a:t>
+                      </a:r>
+                      <a:r>
+                        <a:rPr lang="en-GB" dirty="0" err="1"/>
+                        <a:t>przerzuty</a:t>
+                      </a:r>
+                      <a:r>
+                        <a:rPr lang="en-GB" dirty="0"/>
+                        <a:t>)</a:t>
+                      </a:r>
+                    </a:p>
+                  </a:txBody>
+                  <a:tcPr anchor="ctr"/>
+                </a:tc>
+                <a:tc hMerge="1">
+                  <a:txBody>
+                    <a:bodyPr/>
+                    <a:lstStyle/>
+                    <a:p>
+                      <a:endParaRPr lang="en-GB" dirty="0"/>
+                    </a:p>
+                  </a:txBody>
+                  <a:tcPr/>
+                </a:tc>
+                <a:extLst>
+                  <a:ext uri="{0D108BD9-81ED-4DB2-BD59-A6C34878D82A}">
+                    <a16:rowId xmlns:a16="http://schemas.microsoft.com/office/drawing/2014/main" val="750163841"/>
+                  </a:ext>
+                </a:extLst>
+              </a:tr>
+              <a:tr h="284332">
+                <a:tc>
+                  <a:txBody>
+                    <a:bodyPr/>
+                    <a:lstStyle/>
+                    <a:p>
+                      <a:pPr algn="ctr"/>
+                      <a:r>
+                        <a:rPr lang="en-GB" dirty="0"/>
+                        <a:t>Mx</a:t>
+                      </a:r>
+                    </a:p>
+                  </a:txBody>
+                  <a:tcPr anchor="ctr"/>
+                </a:tc>
+                <a:tc>
+                  <a:txBody>
+                    <a:bodyPr/>
+                    <a:lstStyle/>
+                    <a:p>
+                      <a:pPr algn="ctr"/>
+                      <a:r>
+                        <a:rPr lang="en-GB" dirty="0" err="1"/>
+                        <a:t>Nie</a:t>
+                      </a:r>
+                      <a:r>
+                        <a:rPr lang="en-GB" dirty="0"/>
+                        <a:t> </a:t>
+                      </a:r>
+                      <a:r>
+                        <a:rPr lang="en-GB" dirty="0" err="1"/>
+                        <a:t>można</a:t>
+                      </a:r>
+                      <a:r>
+                        <a:rPr lang="en-GB" dirty="0"/>
+                        <a:t> </a:t>
+                      </a:r>
+                      <a:r>
+                        <a:rPr lang="en-GB" dirty="0" err="1"/>
+                        <a:t>ocenić</a:t>
+                      </a:r>
+                      <a:endParaRPr lang="en-GB" dirty="0"/>
+                    </a:p>
+                  </a:txBody>
+                  <a:tcPr anchor="ctr"/>
+                </a:tc>
+                <a:extLst>
+                  <a:ext uri="{0D108BD9-81ED-4DB2-BD59-A6C34878D82A}">
+                    <a16:rowId xmlns:a16="http://schemas.microsoft.com/office/drawing/2014/main" val="1314797313"/>
+                  </a:ext>
+                </a:extLst>
+              </a:tr>
+              <a:tr h="284332">
+                <a:tc>
+                  <a:txBody>
+                    <a:bodyPr/>
+                    <a:lstStyle/>
+                    <a:p>
+                      <a:pPr algn="ctr"/>
+                      <a:r>
+                        <a:rPr lang="en-GB" dirty="0"/>
+                        <a:t>M0</a:t>
+                      </a:r>
+                    </a:p>
+                  </a:txBody>
+                  <a:tcPr anchor="ctr"/>
+                </a:tc>
+                <a:tc>
+                  <a:txBody>
+                    <a:bodyPr/>
+                    <a:lstStyle/>
+                    <a:p>
+                      <a:pPr algn="ctr"/>
+                      <a:r>
+                        <a:rPr lang="en-GB" dirty="0" err="1"/>
+                        <a:t>Brak</a:t>
+                      </a:r>
+                      <a:r>
+                        <a:rPr lang="en-GB" dirty="0"/>
+                        <a:t> </a:t>
+                      </a:r>
+                      <a:r>
+                        <a:rPr lang="en-GB" dirty="0" err="1"/>
+                        <a:t>dalekich</a:t>
+                      </a:r>
+                      <a:r>
+                        <a:rPr lang="en-GB" dirty="0"/>
+                        <a:t> </a:t>
+                      </a:r>
+                      <a:r>
+                        <a:rPr lang="en-GB" dirty="0" err="1"/>
+                        <a:t>przerzutów</a:t>
+                      </a:r>
+                      <a:endParaRPr lang="en-GB" dirty="0"/>
+                    </a:p>
+                  </a:txBody>
+                  <a:tcPr anchor="ctr"/>
+                </a:tc>
+                <a:extLst>
+                  <a:ext uri="{0D108BD9-81ED-4DB2-BD59-A6C34878D82A}">
+                    <a16:rowId xmlns:a16="http://schemas.microsoft.com/office/drawing/2014/main" val="3607658809"/>
+                  </a:ext>
+                </a:extLst>
+              </a:tr>
+              <a:tr h="284332">
+                <a:tc>
+                  <a:txBody>
+                    <a:bodyPr/>
+                    <a:lstStyle/>
+                    <a:p>
+                      <a:pPr algn="ctr"/>
+                      <a:r>
+                        <a:rPr lang="en-GB" dirty="0"/>
+                        <a:t>M1 </a:t>
+                      </a:r>
+                    </a:p>
+                  </a:txBody>
+                  <a:tcPr anchor="ctr"/>
+                </a:tc>
+                <a:tc>
+                  <a:txBody>
+                    <a:bodyPr/>
+                    <a:lstStyle/>
+                    <a:p>
+                      <a:pPr algn="ctr"/>
+                      <a:r>
+                        <a:rPr lang="en-GB" dirty="0" err="1"/>
+                        <a:t>Dalekie</a:t>
+                      </a:r>
+                      <a:r>
+                        <a:rPr lang="en-GB" dirty="0"/>
+                        <a:t> </a:t>
+                      </a:r>
+                      <a:r>
+                        <a:rPr lang="en-GB" dirty="0" err="1"/>
+                        <a:t>przerzuty</a:t>
+                      </a:r>
+                      <a:endParaRPr lang="en-GB" dirty="0"/>
+                    </a:p>
+                  </a:txBody>
+                  <a:tcPr anchor="ctr"/>
+                </a:tc>
+                <a:extLst>
+                  <a:ext uri="{0D108BD9-81ED-4DB2-BD59-A6C34878D82A}">
+                    <a16:rowId xmlns:a16="http://schemas.microsoft.com/office/drawing/2014/main" val="2334121157"/>
+                  </a:ext>
+                </a:extLst>
+              </a:tr>
+            </a:tbl>
+          </a:graphicData>
+        </a:graphic>
+      </p:graphicFrame>
     </p:spTree>
   </p:cSld>
   <p:clrMapOvr>
     <a:masterClrMapping/>
   </p:clrMapOvr>
-  <p:timing>
-    <p:tnLst>
-      <p:par>
-        <p:cTn id="1" dur="indefinite" restart="never" nodeType="tmRoot"/>
-      </p:par>
-    </p:tnLst>
-  </p:timing>
 </p:sld>
 </file>
 
@@ -8948,10 +10139,9 @@
           <a:lstStyle/>
           <a:p>
             <a:r>
-              <a:rPr lang="pl-PL" dirty="0" smtClean="0"/>
+              <a:rPr lang="pl-PL" dirty="0"/>
               <a:t>AJCC</a:t>
             </a:r>
-            <a:endParaRPr lang="pl-PL" dirty="0"/>
           </a:p>
         </p:txBody>
       </p:sp>
@@ -8970,7 +10160,55 @@
           <a:bodyPr/>
           <a:lstStyle/>
           <a:p>
-            <a:endParaRPr lang="pl-PL"/>
+            <a:r>
+              <a:rPr lang="en-GB" dirty="0" err="1"/>
+              <a:t>Za</a:t>
+            </a:r>
+            <a:r>
+              <a:rPr lang="en-GB" dirty="0"/>
+              <a:t> </a:t>
+            </a:r>
+            <a:r>
+              <a:rPr lang="en-GB" dirty="0" err="1"/>
+              <a:t>skomplikowane</a:t>
+            </a:r>
+            <a:r>
+              <a:rPr lang="en-GB" dirty="0"/>
+              <a:t>; </a:t>
+            </a:r>
+            <a:r>
+              <a:rPr lang="en-GB" dirty="0" err="1"/>
+              <a:t>powiesz</a:t>
+            </a:r>
+            <a:r>
+              <a:rPr lang="en-GB" dirty="0"/>
+              <a:t>, </a:t>
+            </a:r>
+            <a:r>
+              <a:rPr lang="en-GB" dirty="0" err="1"/>
+              <a:t>że</a:t>
+            </a:r>
+            <a:r>
+              <a:rPr lang="en-GB" dirty="0"/>
+              <a:t> </a:t>
+            </a:r>
+            <a:r>
+              <a:rPr lang="en-GB" dirty="0" err="1"/>
+              <a:t>wywodzi</a:t>
+            </a:r>
+            <a:r>
+              <a:rPr lang="en-GB" dirty="0"/>
+              <a:t> </a:t>
+            </a:r>
+            <a:r>
+              <a:rPr lang="en-GB" dirty="0" err="1"/>
+              <a:t>się</a:t>
+            </a:r>
+            <a:r>
+              <a:rPr lang="en-GB" dirty="0"/>
+              <a:t> od TNM</a:t>
+            </a:r>
+            <a:endParaRPr lang="pl-PL" dirty="0"/>
           </a:p>
         </p:txBody>
       </p:sp>
@@ -9025,13 +10263,6 @@
   <p:clrMapOvr>
     <a:masterClrMapping/>
   </p:clrMapOvr>
-  <p:timing>
-    <p:tnLst>
-      <p:par>
-        <p:cTn id="1" dur="indefinite" restart="never" nodeType="tmRoot"/>
-      </p:par>
-    </p:tnLst>
-  </p:timing>
 </p:sld>
 </file>
 
@@ -9075,26 +10306,26 @@
           <a:lstStyle/>
           <a:p>
             <a:r>
-              <a:rPr lang="pl-PL" sz="1400" dirty="0" smtClean="0"/>
+              <a:rPr lang="pl-PL" sz="1400" dirty="0"/>
               <a:t>Zaadaptowano na </a:t>
             </a:r>
             <a:r>
-              <a:rPr lang="pl-PL" sz="1400" dirty="0" err="1" smtClean="0"/>
+              <a:rPr lang="pl-PL" sz="1400" dirty="0" err="1"/>
               <a:t>posttawie</a:t>
             </a:r>
             <a:r>
-              <a:rPr lang="pl-PL" sz="1400" dirty="0" smtClean="0"/>
+              <a:rPr lang="pl-PL" sz="1400" dirty="0"/>
               <a:t>:</a:t>
             </a:r>
             <a:br>
-              <a:rPr lang="pl-PL" sz="1400" dirty="0" smtClean="0"/>
+              <a:rPr lang="pl-PL" sz="1400" dirty="0"/>
             </a:br>
             <a:r>
-              <a:rPr lang="pl-PL" sz="1400" dirty="0" err="1" smtClean="0"/>
+              <a:rPr lang="pl-PL" sz="1400" dirty="0" err="1"/>
               <a:t>Schetter</a:t>
             </a:r>
             <a:r>
-              <a:rPr lang="pl-PL" sz="1400" dirty="0" smtClean="0"/>
+              <a:rPr lang="pl-PL" sz="1400" dirty="0"/>
               <a:t> AJ et al.:  </a:t>
             </a:r>
             <a:r>
@@ -9196,13 +10427,6 @@
   <p:clrMapOvr>
     <a:masterClrMapping/>
   </p:clrMapOvr>
-  <p:timing>
-    <p:tnLst>
-      <p:par>
-        <p:cTn id="1" dur="indefinite" restart="never" nodeType="tmRoot"/>
-      </p:par>
-    </p:tnLst>
-  </p:timing>
 </p:sld>
 </file>
 
@@ -9330,13 +10554,6 @@
   <p:clrMapOvr>
     <a:masterClrMapping/>
   </p:clrMapOvr>
-  <p:timing>
-    <p:tnLst>
-      <p:par>
-        <p:cTn id="1" dur="indefinite" restart="never" nodeType="tmRoot"/>
-      </p:par>
-    </p:tnLst>
-  </p:timing>
 </p:sld>
 </file>
 
@@ -9362,7 +10579,7 @@
           <p:cNvPr id="9" name="Tabela 8">
             <a:extLst>
               <a:ext uri="{FF2B5EF4-FFF2-40B4-BE49-F238E27FC236}">
-                <a16:creationId xmlns="" xmlns:a16="http://schemas.microsoft.com/office/drawing/2014/main" id="{597D063E-8746-4954-A168-770B323C444B}"/>
+                <a16:creationId xmlns:a16="http://schemas.microsoft.com/office/drawing/2014/main" id="{597D063E-8746-4954-A168-770B323C444B}"/>
               </a:ext>
             </a:extLst>
           </p:cNvPr>
@@ -9372,7 +10589,7 @@
           <p:nvPr>
             <p:extLst>
               <p:ext uri="{D42A27DB-BD31-4B8C-83A1-F6EECF244321}">
-                <p14:modId xmlns="" xmlns:p14="http://schemas.microsoft.com/office/powerpoint/2010/main" val="2136211400"/>
+                <p14:modId xmlns:p14="http://schemas.microsoft.com/office/powerpoint/2010/main" val="2136211400"/>
               </p:ext>
             </p:extLst>
           </p:nvPr>
@@ -9391,14 +10608,14 @@
                 <a:gridCol w="1656184">
                   <a:extLst>
                     <a:ext uri="{9D8B030D-6E8A-4147-A177-3AD203B41FA5}">
-                      <a16:colId xmlns="" xmlns:a16="http://schemas.microsoft.com/office/drawing/2014/main" val="4059203491"/>
+                      <a16:colId xmlns:a16="http://schemas.microsoft.com/office/drawing/2014/main" val="4059203491"/>
                     </a:ext>
                   </a:extLst>
                 </a:gridCol>
                 <a:gridCol w="1656184">
                   <a:extLst>
                     <a:ext uri="{9D8B030D-6E8A-4147-A177-3AD203B41FA5}">
-                      <a16:colId xmlns="" xmlns:a16="http://schemas.microsoft.com/office/drawing/2014/main" val="3849346464"/>
+                      <a16:colId xmlns:a16="http://schemas.microsoft.com/office/drawing/2014/main" val="3849346464"/>
                     </a:ext>
                   </a:extLst>
                 </a:gridCol>
@@ -9439,7 +10656,7 @@
                 </a:tc>
                 <a:extLst>
                   <a:ext uri="{0D108BD9-81ED-4DB2-BD59-A6C34878D82A}">
-                    <a16:rowId xmlns="" xmlns:a16="http://schemas.microsoft.com/office/drawing/2014/main" val="2323383112"/>
+                    <a16:rowId xmlns:a16="http://schemas.microsoft.com/office/drawing/2014/main" val="2323383112"/>
                   </a:ext>
                 </a:extLst>
               </a:tr>
@@ -9480,7 +10697,7 @@
                 </a:tc>
                 <a:extLst>
                   <a:ext uri="{0D108BD9-81ED-4DB2-BD59-A6C34878D82A}">
-                    <a16:rowId xmlns="" xmlns:a16="http://schemas.microsoft.com/office/drawing/2014/main" val="2932727270"/>
+                    <a16:rowId xmlns:a16="http://schemas.microsoft.com/office/drawing/2014/main" val="2932727270"/>
                   </a:ext>
                 </a:extLst>
               </a:tr>
@@ -9516,7 +10733,7 @@
                 </a:tc>
                 <a:extLst>
                   <a:ext uri="{0D108BD9-81ED-4DB2-BD59-A6C34878D82A}">
-                    <a16:rowId xmlns="" xmlns:a16="http://schemas.microsoft.com/office/drawing/2014/main" val="3838021132"/>
+                    <a16:rowId xmlns:a16="http://schemas.microsoft.com/office/drawing/2014/main" val="3838021132"/>
                   </a:ext>
                 </a:extLst>
               </a:tr>
@@ -9529,7 +10746,7 @@
           <p:cNvPr id="7" name="Tabela 6">
             <a:extLst>
               <a:ext uri="{FF2B5EF4-FFF2-40B4-BE49-F238E27FC236}">
-                <a16:creationId xmlns="" xmlns:a16="http://schemas.microsoft.com/office/drawing/2014/main" id="{5AD90983-CEFA-4223-AE5C-A3C96540F74C}"/>
+                <a16:creationId xmlns:a16="http://schemas.microsoft.com/office/drawing/2014/main" id="{5AD90983-CEFA-4223-AE5C-A3C96540F74C}"/>
               </a:ext>
             </a:extLst>
           </p:cNvPr>
@@ -9539,7 +10756,7 @@
           <p:nvPr>
             <p:extLst>
               <p:ext uri="{D42A27DB-BD31-4B8C-83A1-F6EECF244321}">
-                <p14:modId xmlns="" xmlns:p14="http://schemas.microsoft.com/office/powerpoint/2010/main" val="3720322582"/>
+                <p14:modId xmlns:p14="http://schemas.microsoft.com/office/powerpoint/2010/main" val="3555883394"/>
               </p:ext>
             </p:extLst>
           </p:nvPr>
@@ -9558,105 +10775,105 @@
                 <a:gridCol w="435994">
                   <a:extLst>
                     <a:ext uri="{9D8B030D-6E8A-4147-A177-3AD203B41FA5}">
-                      <a16:colId xmlns="" xmlns:a16="http://schemas.microsoft.com/office/drawing/2014/main" val="1693357772"/>
+                      <a16:colId xmlns:a16="http://schemas.microsoft.com/office/drawing/2014/main" val="1693357772"/>
                     </a:ext>
                   </a:extLst>
                 </a:gridCol>
                 <a:gridCol w="435994">
                   <a:extLst>
                     <a:ext uri="{9D8B030D-6E8A-4147-A177-3AD203B41FA5}">
-                      <a16:colId xmlns="" xmlns:a16="http://schemas.microsoft.com/office/drawing/2014/main" val="886042104"/>
+                      <a16:colId xmlns:a16="http://schemas.microsoft.com/office/drawing/2014/main" val="886042104"/>
                     </a:ext>
                   </a:extLst>
                 </a:gridCol>
                 <a:gridCol w="435994">
                   <a:extLst>
                     <a:ext uri="{9D8B030D-6E8A-4147-A177-3AD203B41FA5}">
-                      <a16:colId xmlns="" xmlns:a16="http://schemas.microsoft.com/office/drawing/2014/main" val="2648502109"/>
+                      <a16:colId xmlns:a16="http://schemas.microsoft.com/office/drawing/2014/main" val="2648502109"/>
                     </a:ext>
                   </a:extLst>
                 </a:gridCol>
                 <a:gridCol w="435994">
                   <a:extLst>
                     <a:ext uri="{9D8B030D-6E8A-4147-A177-3AD203B41FA5}">
-                      <a16:colId xmlns="" xmlns:a16="http://schemas.microsoft.com/office/drawing/2014/main" val="2436883859"/>
+                      <a16:colId xmlns:a16="http://schemas.microsoft.com/office/drawing/2014/main" val="2436883859"/>
                     </a:ext>
                   </a:extLst>
                 </a:gridCol>
                 <a:gridCol w="435994">
                   <a:extLst>
                     <a:ext uri="{9D8B030D-6E8A-4147-A177-3AD203B41FA5}">
-                      <a16:colId xmlns="" xmlns:a16="http://schemas.microsoft.com/office/drawing/2014/main" val="2861511621"/>
+                      <a16:colId xmlns:a16="http://schemas.microsoft.com/office/drawing/2014/main" val="2861511621"/>
                     </a:ext>
                   </a:extLst>
                 </a:gridCol>
                 <a:gridCol w="482978">
                   <a:extLst>
                     <a:ext uri="{9D8B030D-6E8A-4147-A177-3AD203B41FA5}">
-                      <a16:colId xmlns="" xmlns:a16="http://schemas.microsoft.com/office/drawing/2014/main" val="3537628510"/>
+                      <a16:colId xmlns:a16="http://schemas.microsoft.com/office/drawing/2014/main" val="3537628510"/>
                     </a:ext>
                   </a:extLst>
                 </a:gridCol>
                 <a:gridCol w="435994">
                   <a:extLst>
                     <a:ext uri="{9D8B030D-6E8A-4147-A177-3AD203B41FA5}">
-                      <a16:colId xmlns="" xmlns:a16="http://schemas.microsoft.com/office/drawing/2014/main" val="881022842"/>
+                      <a16:colId xmlns:a16="http://schemas.microsoft.com/office/drawing/2014/main" val="881022842"/>
                     </a:ext>
                   </a:extLst>
                 </a:gridCol>
                 <a:gridCol w="435994">
                   <a:extLst>
                     <a:ext uri="{9D8B030D-6E8A-4147-A177-3AD203B41FA5}">
-                      <a16:colId xmlns="" xmlns:a16="http://schemas.microsoft.com/office/drawing/2014/main" val="3370350225"/>
+                      <a16:colId xmlns:a16="http://schemas.microsoft.com/office/drawing/2014/main" val="3370350225"/>
                     </a:ext>
                   </a:extLst>
                 </a:gridCol>
                 <a:gridCol w="435994">
                   <a:extLst>
                     <a:ext uri="{9D8B030D-6E8A-4147-A177-3AD203B41FA5}">
-                      <a16:colId xmlns="" xmlns:a16="http://schemas.microsoft.com/office/drawing/2014/main" val="1444410191"/>
+                      <a16:colId xmlns:a16="http://schemas.microsoft.com/office/drawing/2014/main" val="1444410191"/>
                     </a:ext>
                   </a:extLst>
                 </a:gridCol>
                 <a:gridCol w="435994">
                   <a:extLst>
                     <a:ext uri="{9D8B030D-6E8A-4147-A177-3AD203B41FA5}">
-                      <a16:colId xmlns="" xmlns:a16="http://schemas.microsoft.com/office/drawing/2014/main" val="4059203491"/>
+                      <a16:colId xmlns:a16="http://schemas.microsoft.com/office/drawing/2014/main" val="4059203491"/>
                     </a:ext>
                   </a:extLst>
                 </a:gridCol>
                 <a:gridCol w="435994">
                   <a:extLst>
                     <a:ext uri="{9D8B030D-6E8A-4147-A177-3AD203B41FA5}">
-                      <a16:colId xmlns="" xmlns:a16="http://schemas.microsoft.com/office/drawing/2014/main" val="4204423908"/>
+                      <a16:colId xmlns:a16="http://schemas.microsoft.com/office/drawing/2014/main" val="4204423908"/>
                     </a:ext>
                   </a:extLst>
                 </a:gridCol>
                 <a:gridCol w="435994">
                   <a:extLst>
                     <a:ext uri="{9D8B030D-6E8A-4147-A177-3AD203B41FA5}">
-                      <a16:colId xmlns="" xmlns:a16="http://schemas.microsoft.com/office/drawing/2014/main" val="2801729913"/>
+                      <a16:colId xmlns:a16="http://schemas.microsoft.com/office/drawing/2014/main" val="2801729913"/>
                     </a:ext>
                   </a:extLst>
                 </a:gridCol>
                 <a:gridCol w="435994">
                   <a:extLst>
                     <a:ext uri="{9D8B030D-6E8A-4147-A177-3AD203B41FA5}">
-                      <a16:colId xmlns="" xmlns:a16="http://schemas.microsoft.com/office/drawing/2014/main" val="1584507648"/>
+                      <a16:colId xmlns:a16="http://schemas.microsoft.com/office/drawing/2014/main" val="1584507648"/>
                     </a:ext>
                   </a:extLst>
                 </a:gridCol>
                 <a:gridCol w="435994">
                   <a:extLst>
                     <a:ext uri="{9D8B030D-6E8A-4147-A177-3AD203B41FA5}">
-                      <a16:colId xmlns="" xmlns:a16="http://schemas.microsoft.com/office/drawing/2014/main" val="3347299052"/>
+                      <a16:colId xmlns:a16="http://schemas.microsoft.com/office/drawing/2014/main" val="3347299052"/>
                     </a:ext>
                   </a:extLst>
                 </a:gridCol>
                 <a:gridCol w="435994">
                   <a:extLst>
                     <a:ext uri="{9D8B030D-6E8A-4147-A177-3AD203B41FA5}">
-                      <a16:colId xmlns="" xmlns:a16="http://schemas.microsoft.com/office/drawing/2014/main" val="3849346464"/>
+                      <a16:colId xmlns:a16="http://schemas.microsoft.com/office/drawing/2014/main" val="3849346464"/>
                     </a:ext>
                   </a:extLst>
                 </a:gridCol>
@@ -9670,7 +10887,7 @@
                       <a:pPr algn="ctr"/>
                       <a:r>
                         <a:rPr lang="en-US" sz="2400" dirty="0" err="1"/>
-                        <a:t>cTNM</a:t>
+                        <a:t>pTNM</a:t>
                       </a:r>
                       <a:endParaRPr lang="pl-PL" sz="2400" dirty="0"/>
                     </a:p>
@@ -9823,7 +11040,7 @@
                 </a:tc>
                 <a:extLst>
                   <a:ext uri="{0D108BD9-81ED-4DB2-BD59-A6C34878D82A}">
-                    <a16:rowId xmlns="" xmlns:a16="http://schemas.microsoft.com/office/drawing/2014/main" val="2323383112"/>
+                    <a16:rowId xmlns:a16="http://schemas.microsoft.com/office/drawing/2014/main" val="2323383112"/>
                   </a:ext>
                 </a:extLst>
               </a:tr>
@@ -9836,7 +11053,7 @@
                       <a:pPr algn="ctr"/>
                       <a:r>
                         <a:rPr lang="en-GB" sz="2000" b="1" dirty="0" err="1"/>
-                        <a:t>cT</a:t>
+                        <a:t>pT</a:t>
                       </a:r>
                       <a:endParaRPr lang="pl-PL" b="1" dirty="0"/>
                     </a:p>
@@ -9914,7 +11131,7 @@
                       <a:pPr algn="ctr"/>
                       <a:r>
                         <a:rPr lang="en-US" sz="2000" b="1" dirty="0" err="1"/>
-                        <a:t>cN</a:t>
+                        <a:t>pN</a:t>
                       </a:r>
                       <a:endParaRPr lang="pl-PL" sz="2000" b="1" dirty="0"/>
                     </a:p>
@@ -10003,7 +11220,7 @@
                       <a:pPr algn="ctr"/>
                       <a:r>
                         <a:rPr lang="en-US" sz="2000" b="1" dirty="0" err="1"/>
-                        <a:t>cM</a:t>
+                        <a:t>pM</a:t>
                       </a:r>
                       <a:endParaRPr lang="pl-PL" sz="2000" b="1" dirty="0"/>
                     </a:p>
@@ -10044,7 +11261,7 @@
                 </a:tc>
                 <a:extLst>
                   <a:ext uri="{0D108BD9-81ED-4DB2-BD59-A6C34878D82A}">
-                    <a16:rowId xmlns="" xmlns:a16="http://schemas.microsoft.com/office/drawing/2014/main" val="2932727270"/>
+                    <a16:rowId xmlns:a16="http://schemas.microsoft.com/office/drawing/2014/main" val="2932727270"/>
                   </a:ext>
                 </a:extLst>
               </a:tr>
@@ -10313,7 +11530,7 @@
                 </a:tc>
                 <a:extLst>
                   <a:ext uri="{0D108BD9-81ED-4DB2-BD59-A6C34878D82A}">
-                    <a16:rowId xmlns="" xmlns:a16="http://schemas.microsoft.com/office/drawing/2014/main" val="3838021132"/>
+                    <a16:rowId xmlns:a16="http://schemas.microsoft.com/office/drawing/2014/main" val="3838021132"/>
                   </a:ext>
                 </a:extLst>
               </a:tr>
@@ -10356,7 +11573,7 @@
                       <a:pPr algn="ctr"/>
                       <a:r>
                         <a:rPr lang="en-GB" dirty="0"/>
-                        <a:t>4</a:t>
+                        <a:t>5</a:t>
                       </a:r>
                       <a:endParaRPr lang="pl-PL" dirty="0"/>
                     </a:p>
@@ -10371,7 +11588,7 @@
                       <a:pPr algn="ctr"/>
                       <a:r>
                         <a:rPr lang="en-GB" dirty="0"/>
-                        <a:t>34</a:t>
+                        <a:t>31</a:t>
                       </a:r>
                       <a:endParaRPr lang="pl-PL" dirty="0"/>
                     </a:p>
@@ -10386,7 +11603,7 @@
                       <a:pPr algn="ctr"/>
                       <a:r>
                         <a:rPr lang="en-GB" dirty="0"/>
-                        <a:t>1</a:t>
+                        <a:t>3</a:t>
                       </a:r>
                       <a:endParaRPr lang="pl-PL" dirty="0"/>
                     </a:p>
@@ -10451,7 +11668,7 @@
                       <a:pPr algn="ctr"/>
                       <a:r>
                         <a:rPr lang="en-GB" dirty="0"/>
-                        <a:t>10</a:t>
+                        <a:t>33</a:t>
                       </a:r>
                       <a:endParaRPr lang="pl-PL" dirty="0"/>
                     </a:p>
@@ -10466,7 +11683,7 @@
                       <a:pPr algn="ctr"/>
                       <a:r>
                         <a:rPr lang="en-GB" dirty="0"/>
-                        <a:t>27</a:t>
+                        <a:t>3</a:t>
                       </a:r>
                       <a:endParaRPr lang="pl-PL" dirty="0"/>
                     </a:p>
@@ -10481,7 +11698,7 @@
                       <a:pPr algn="ctr"/>
                       <a:r>
                         <a:rPr lang="en-GB" dirty="0"/>
-                        <a:t>2</a:t>
+                        <a:t>3</a:t>
                       </a:r>
                       <a:endParaRPr lang="pl-PL" dirty="0"/>
                     </a:p>
@@ -10582,7 +11799,7 @@
                 </a:tc>
                 <a:extLst>
                   <a:ext uri="{0D108BD9-81ED-4DB2-BD59-A6C34878D82A}">
-                    <a16:rowId xmlns="" xmlns:a16="http://schemas.microsoft.com/office/drawing/2014/main" val="2834931701"/>
+                    <a16:rowId xmlns:a16="http://schemas.microsoft.com/office/drawing/2014/main" val="2834931701"/>
                   </a:ext>
                 </a:extLst>
               </a:tr>
@@ -10595,7 +11812,7 @@
           <p:cNvPr id="10" name="Tabela 9">
             <a:extLst>
               <a:ext uri="{FF2B5EF4-FFF2-40B4-BE49-F238E27FC236}">
-                <a16:creationId xmlns="" xmlns:a16="http://schemas.microsoft.com/office/drawing/2014/main" id="{228ABD70-D29B-46E0-AF4B-D59DF6AD23BF}"/>
+                <a16:creationId xmlns:a16="http://schemas.microsoft.com/office/drawing/2014/main" id="{228ABD70-D29B-46E0-AF4B-D59DF6AD23BF}"/>
               </a:ext>
             </a:extLst>
           </p:cNvPr>
@@ -10605,7 +11822,7 @@
           <p:nvPr>
             <p:extLst>
               <p:ext uri="{D42A27DB-BD31-4B8C-83A1-F6EECF244321}">
-                <p14:modId xmlns="" xmlns:p14="http://schemas.microsoft.com/office/powerpoint/2010/main" val="2203838443"/>
+                <p14:modId xmlns:p14="http://schemas.microsoft.com/office/powerpoint/2010/main" val="2203838443"/>
               </p:ext>
             </p:extLst>
           </p:nvPr>
@@ -10624,14 +11841,14 @@
                 <a:gridCol w="1079866">
                   <a:extLst>
                     <a:ext uri="{9D8B030D-6E8A-4147-A177-3AD203B41FA5}">
-                      <a16:colId xmlns="" xmlns:a16="http://schemas.microsoft.com/office/drawing/2014/main" val="4059203491"/>
+                      <a16:colId xmlns:a16="http://schemas.microsoft.com/office/drawing/2014/main" val="4059203491"/>
                     </a:ext>
                   </a:extLst>
                 </a:gridCol>
                 <a:gridCol w="1079866">
                   <a:extLst>
                     <a:ext uri="{9D8B030D-6E8A-4147-A177-3AD203B41FA5}">
-                      <a16:colId xmlns="" xmlns:a16="http://schemas.microsoft.com/office/drawing/2014/main" val="3849346464"/>
+                      <a16:colId xmlns:a16="http://schemas.microsoft.com/office/drawing/2014/main" val="3849346464"/>
                     </a:ext>
                   </a:extLst>
                 </a:gridCol>
@@ -10664,7 +11881,7 @@
                 </a:tc>
                 <a:extLst>
                   <a:ext uri="{0D108BD9-81ED-4DB2-BD59-A6C34878D82A}">
-                    <a16:rowId xmlns="" xmlns:a16="http://schemas.microsoft.com/office/drawing/2014/main" val="2323383112"/>
+                    <a16:rowId xmlns:a16="http://schemas.microsoft.com/office/drawing/2014/main" val="2323383112"/>
                   </a:ext>
                 </a:extLst>
               </a:tr>
@@ -10701,7 +11918,7 @@
                 </a:tc>
                 <a:extLst>
                   <a:ext uri="{0D108BD9-81ED-4DB2-BD59-A6C34878D82A}">
-                    <a16:rowId xmlns="" xmlns:a16="http://schemas.microsoft.com/office/drawing/2014/main" val="2932727270"/>
+                    <a16:rowId xmlns:a16="http://schemas.microsoft.com/office/drawing/2014/main" val="2932727270"/>
                   </a:ext>
                 </a:extLst>
               </a:tr>
@@ -10737,7 +11954,7 @@
                 </a:tc>
                 <a:extLst>
                   <a:ext uri="{0D108BD9-81ED-4DB2-BD59-A6C34878D82A}">
-                    <a16:rowId xmlns="" xmlns:a16="http://schemas.microsoft.com/office/drawing/2014/main" val="3838021132"/>
+                    <a16:rowId xmlns:a16="http://schemas.microsoft.com/office/drawing/2014/main" val="3838021132"/>
                   </a:ext>
                 </a:extLst>
               </a:tr>
@@ -10750,7 +11967,7 @@
           <p:cNvPr id="11" name="Tabela 10">
             <a:extLst>
               <a:ext uri="{FF2B5EF4-FFF2-40B4-BE49-F238E27FC236}">
-                <a16:creationId xmlns="" xmlns:a16="http://schemas.microsoft.com/office/drawing/2014/main" id="{EE659871-2BA5-4638-B28B-4CADB6F4EA1A}"/>
+                <a16:creationId xmlns:a16="http://schemas.microsoft.com/office/drawing/2014/main" id="{EE659871-2BA5-4638-B28B-4CADB6F4EA1A}"/>
               </a:ext>
             </a:extLst>
           </p:cNvPr>
@@ -10760,7 +11977,7 @@
           <p:nvPr>
             <p:extLst>
               <p:ext uri="{D42A27DB-BD31-4B8C-83A1-F6EECF244321}">
-                <p14:modId xmlns="" xmlns:p14="http://schemas.microsoft.com/office/powerpoint/2010/main" val="3565377344"/>
+                <p14:modId xmlns:p14="http://schemas.microsoft.com/office/powerpoint/2010/main" val="3565377344"/>
               </p:ext>
             </p:extLst>
           </p:nvPr>
@@ -10779,28 +11996,28 @@
                 <a:gridCol w="720080">
                   <a:extLst>
                     <a:ext uri="{9D8B030D-6E8A-4147-A177-3AD203B41FA5}">
-                      <a16:colId xmlns="" xmlns:a16="http://schemas.microsoft.com/office/drawing/2014/main" val="4059203491"/>
+                      <a16:colId xmlns:a16="http://schemas.microsoft.com/office/drawing/2014/main" val="4059203491"/>
                     </a:ext>
                   </a:extLst>
                 </a:gridCol>
                 <a:gridCol w="720080">
                   <a:extLst>
                     <a:ext uri="{9D8B030D-6E8A-4147-A177-3AD203B41FA5}">
-                      <a16:colId xmlns="" xmlns:a16="http://schemas.microsoft.com/office/drawing/2014/main" val="1320624364"/>
+                      <a16:colId xmlns:a16="http://schemas.microsoft.com/office/drawing/2014/main" val="1320624364"/>
                     </a:ext>
                   </a:extLst>
                 </a:gridCol>
                 <a:gridCol w="720080">
                   <a:extLst>
                     <a:ext uri="{9D8B030D-6E8A-4147-A177-3AD203B41FA5}">
-                      <a16:colId xmlns="" xmlns:a16="http://schemas.microsoft.com/office/drawing/2014/main" val="3051649146"/>
+                      <a16:colId xmlns:a16="http://schemas.microsoft.com/office/drawing/2014/main" val="3051649146"/>
                     </a:ext>
                   </a:extLst>
                 </a:gridCol>
                 <a:gridCol w="720080">
                   <a:extLst>
                     <a:ext uri="{9D8B030D-6E8A-4147-A177-3AD203B41FA5}">
-                      <a16:colId xmlns="" xmlns:a16="http://schemas.microsoft.com/office/drawing/2014/main" val="3849346464"/>
+                      <a16:colId xmlns:a16="http://schemas.microsoft.com/office/drawing/2014/main" val="3849346464"/>
                     </a:ext>
                   </a:extLst>
                 </a:gridCol>
@@ -10853,7 +12070,7 @@
                 </a:tc>
                 <a:extLst>
                   <a:ext uri="{0D108BD9-81ED-4DB2-BD59-A6C34878D82A}">
-                    <a16:rowId xmlns="" xmlns:a16="http://schemas.microsoft.com/office/drawing/2014/main" val="2323383112"/>
+                    <a16:rowId xmlns:a16="http://schemas.microsoft.com/office/drawing/2014/main" val="2323383112"/>
                   </a:ext>
                 </a:extLst>
               </a:tr>
@@ -10920,7 +12137,7 @@
                 </a:tc>
                 <a:extLst>
                   <a:ext uri="{0D108BD9-81ED-4DB2-BD59-A6C34878D82A}">
-                    <a16:rowId xmlns="" xmlns:a16="http://schemas.microsoft.com/office/drawing/2014/main" val="2932727270"/>
+                    <a16:rowId xmlns:a16="http://schemas.microsoft.com/office/drawing/2014/main" val="2932727270"/>
                   </a:ext>
                 </a:extLst>
               </a:tr>
@@ -10986,7 +12203,7 @@
                 </a:tc>
                 <a:extLst>
                   <a:ext uri="{0D108BD9-81ED-4DB2-BD59-A6C34878D82A}">
-                    <a16:rowId xmlns="" xmlns:a16="http://schemas.microsoft.com/office/drawing/2014/main" val="3838021132"/>
+                    <a16:rowId xmlns:a16="http://schemas.microsoft.com/office/drawing/2014/main" val="3838021132"/>
                   </a:ext>
                 </a:extLst>
               </a:tr>
@@ -11027,20 +12244,13 @@
     </p:spTree>
     <p:extLst>
       <p:ext uri="{BB962C8B-B14F-4D97-AF65-F5344CB8AC3E}">
-        <p14:creationId xmlns="" xmlns:p14="http://schemas.microsoft.com/office/powerpoint/2010/main" val="2893351227"/>
+        <p14:creationId xmlns:p14="http://schemas.microsoft.com/office/powerpoint/2010/main" val="2893351227"/>
       </p:ext>
     </p:extLst>
   </p:cSld>
   <p:clrMapOvr>
     <a:masterClrMapping/>
   </p:clrMapOvr>
-  <p:timing>
-    <p:tnLst>
-      <p:par>
-        <p:cTn id="1" dur="indefinite" restart="never" nodeType="tmRoot"/>
-      </p:par>
-    </p:tnLst>
-  </p:timing>
 </p:sld>
 </file>
 
@@ -11158,13 +12368,6 @@
   <p:clrMapOvr>
     <a:masterClrMapping/>
   </p:clrMapOvr>
-  <p:timing>
-    <p:tnLst>
-      <p:par>
-        <p:cTn id="1" dur="indefinite" restart="never" nodeType="tmRoot"/>
-      </p:par>
-    </p:tnLst>
-  </p:timing>
 </p:sld>
 </file>
 
@@ -11214,13 +12417,6 @@
   <p:clrMapOvr>
     <a:masterClrMapping/>
   </p:clrMapOvr>
-  <p:timing>
-    <p:tnLst>
-      <p:par>
-        <p:cTn id="1" dur="indefinite" restart="never" nodeType="tmRoot"/>
-      </p:par>
-    </p:tnLst>
-  </p:timing>
 </p:sld>
 </file>
 
@@ -11265,14 +12461,14 @@
                 <a:gridCol w="3024499">
                   <a:extLst>
                     <a:ext uri="{9D8B030D-6E8A-4147-A177-3AD203B41FA5}">
-                      <a16:colId xmlns:a16="http://schemas.microsoft.com/office/drawing/2014/main" xmlns="" val="3894142520"/>
+                      <a16:colId xmlns:a16="http://schemas.microsoft.com/office/drawing/2014/main" val="3894142520"/>
                     </a:ext>
                   </a:extLst>
                 </a:gridCol>
                 <a:gridCol w="5003885">
                   <a:extLst>
                     <a:ext uri="{9D8B030D-6E8A-4147-A177-3AD203B41FA5}">
-                      <a16:colId xmlns:a16="http://schemas.microsoft.com/office/drawing/2014/main" xmlns="" val="1413516115"/>
+                      <a16:colId xmlns:a16="http://schemas.microsoft.com/office/drawing/2014/main" val="1413516115"/>
                     </a:ext>
                   </a:extLst>
                 </a:gridCol>
@@ -11308,7 +12504,7 @@
                 </a:tc>
                 <a:extLst>
                   <a:ext uri="{0D108BD9-81ED-4DB2-BD59-A6C34878D82A}">
-                    <a16:rowId xmlns:a16="http://schemas.microsoft.com/office/drawing/2014/main" xmlns="" val="3585834205"/>
+                    <a16:rowId xmlns:a16="http://schemas.microsoft.com/office/drawing/2014/main" val="3585834205"/>
                   </a:ext>
                 </a:extLst>
               </a:tr>
@@ -11356,15 +12552,7 @@
                       </a:r>
                       <a:r>
                         <a:rPr lang="pl-PL" sz="1600" dirty="0"/>
-                        <a:t> Kit (from </a:t>
-                      </a:r>
-                      <a:r>
-                        <a:rPr lang="pl-PL" sz="1600" dirty="0" smtClean="0"/>
-                        <a:t>serum)</a:t>
-                      </a:r>
-                      <a:r>
-                        <a:rPr lang="pl-PL" sz="1600" dirty="0"/>
-                        <a:t> (</a:t>
+                        <a:t> Kit (from serum) (</a:t>
                       </a:r>
                       <a:r>
                         <a:rPr lang="pl-PL" sz="1600" dirty="0" err="1"/>
@@ -11372,18 +12560,14 @@
                       </a:r>
                       <a:r>
                         <a:rPr lang="pl-PL" sz="1600" dirty="0"/>
-                        <a:t>. No.:</a:t>
-                      </a:r>
-                      <a:r>
-                        <a:rPr lang="pl-PL" sz="1600" dirty="0" smtClean="0"/>
-                        <a:t>4484450, </a:t>
-                      </a:r>
-                      <a:r>
-                        <a:rPr lang="pl-PL" sz="1600" dirty="0" err="1" smtClean="0"/>
+                        <a:t>. No.:4484450, </a:t>
+                      </a:r>
+                      <a:r>
+                        <a:rPr lang="pl-PL" sz="1600" dirty="0" err="1"/>
                         <a:t>Invitrogen</a:t>
                       </a:r>
                       <a:r>
-                        <a:rPr lang="pl-PL" sz="1600" dirty="0" smtClean="0"/>
+                        <a:rPr lang="pl-PL" sz="1600" dirty="0"/>
                         <a:t>)</a:t>
                       </a:r>
                       <a:endParaRPr lang="pl-PL" sz="1600" dirty="0">
@@ -11397,7 +12581,7 @@
                 </a:tc>
                 <a:extLst>
                   <a:ext uri="{0D108BD9-81ED-4DB2-BD59-A6C34878D82A}">
-                    <a16:rowId xmlns:a16="http://schemas.microsoft.com/office/drawing/2014/main" xmlns="" val="3176074627"/>
+                    <a16:rowId xmlns:a16="http://schemas.microsoft.com/office/drawing/2014/main" val="3176074627"/>
                   </a:ext>
                 </a:extLst>
               </a:tr>
@@ -11409,21 +12593,16 @@
                     <a:p>
                       <a:r>
                         <a:rPr lang="pl-PL" sz="1600" dirty="0"/>
-                        <a:t>Izolacja </a:t>
-                      </a:r>
-                      <a:r>
-                        <a:rPr lang="pl-PL" sz="1600" dirty="0" smtClean="0"/>
-                        <a:t>RNA (</a:t>
-                      </a:r>
-                      <a:r>
-                        <a:rPr lang="pl-PL" sz="1600" dirty="0" err="1" smtClean="0"/>
+                        <a:t>Izolacja RNA (</a:t>
+                      </a:r>
+                      <a:r>
+                        <a:rPr lang="pl-PL" sz="1600" dirty="0" err="1"/>
                         <a:t>miRNA</a:t>
                       </a:r>
                       <a:r>
-                        <a:rPr lang="pl-PL" sz="1600" dirty="0" smtClean="0"/>
+                        <a:rPr lang="pl-PL" sz="1600" dirty="0"/>
                         <a:t>)</a:t>
                       </a:r>
-                      <a:endParaRPr lang="pl-PL" sz="1600" dirty="0"/>
                     </a:p>
                   </a:txBody>
                   <a:tcPr/>
@@ -11451,30 +12630,30 @@
                         <a:defRPr/>
                       </a:pPr>
                       <a:r>
-                        <a:rPr lang="en-US" sz="1600" dirty="0" smtClean="0"/>
+                        <a:rPr lang="en-US" sz="1600" dirty="0"/>
                         <a:t>Total </a:t>
                       </a:r>
                       <a:r>
-                        <a:rPr lang="en-US" sz="1600" dirty="0" err="1" smtClean="0"/>
+                        <a:rPr lang="en-US" sz="1600" dirty="0" err="1"/>
                         <a:t>Exosome</a:t>
                       </a:r>
                       <a:r>
-                        <a:rPr lang="en-US" sz="1600" dirty="0" smtClean="0"/>
+                        <a:rPr lang="en-US" sz="1600" dirty="0"/>
                         <a:t> RNA and Protein Isolation Kit  (cat. No.:4478545</a:t>
                       </a:r>
                       <a:r>
-                        <a:rPr lang="pl-PL" sz="1600" dirty="0" smtClean="0"/>
+                        <a:rPr lang="pl-PL" sz="1600" dirty="0"/>
                         <a:t>, </a:t>
                       </a:r>
                       <a:r>
-                        <a:rPr lang="pl-PL" sz="1600" dirty="0" err="1" smtClean="0"/>
+                        <a:rPr lang="pl-PL" sz="1600" dirty="0" err="1"/>
                         <a:t>Invitrogen</a:t>
                       </a:r>
                       <a:r>
-                        <a:rPr lang="pl-PL" sz="1600" dirty="0" smtClean="0"/>
+                        <a:rPr lang="pl-PL" sz="1600" dirty="0"/>
                         <a:t>)</a:t>
                       </a:r>
-                      <a:endParaRPr lang="en-US" sz="1600" dirty="0" smtClean="0">
+                      <a:endParaRPr lang="en-US" sz="1600" dirty="0">
                         <a:solidFill>
                           <a:srgbClr val="333333"/>
                         </a:solidFill>
@@ -11485,7 +12664,7 @@
                 </a:tc>
                 <a:extLst>
                   <a:ext uri="{0D108BD9-81ED-4DB2-BD59-A6C34878D82A}">
-                    <a16:rowId xmlns:a16="http://schemas.microsoft.com/office/drawing/2014/main" xmlns="" val="2323183566"/>
+                    <a16:rowId xmlns:a16="http://schemas.microsoft.com/office/drawing/2014/main" val="2323183566"/>
                   </a:ext>
                 </a:extLst>
               </a:tr>
@@ -11517,35 +12696,35 @@
                     <a:lstStyle/>
                     <a:p>
                       <a:r>
-                        <a:rPr lang="en-US" sz="1600" dirty="0" smtClean="0"/>
+                        <a:rPr lang="en-US" sz="1600" dirty="0"/>
                         <a:t>High-Capacity </a:t>
                       </a:r>
                       <a:r>
-                        <a:rPr lang="en-US" sz="1600" dirty="0" err="1" smtClean="0"/>
+                        <a:rPr lang="en-US" sz="1600" dirty="0" err="1"/>
                         <a:t>cDNA</a:t>
                       </a:r>
                       <a:r>
-                        <a:rPr lang="en-US" sz="1600" dirty="0" smtClean="0"/>
+                        <a:rPr lang="en-US" sz="1600" dirty="0"/>
                         <a:t> Reverse Transcription Kit with </a:t>
                       </a:r>
                       <a:r>
-                        <a:rPr lang="en-US" sz="1600" dirty="0" err="1" smtClean="0"/>
+                        <a:rPr lang="en-US" sz="1600" dirty="0" err="1"/>
                         <a:t>RNase</a:t>
                       </a:r>
                       <a:r>
-                        <a:rPr lang="en-US" sz="1600" dirty="0" smtClean="0"/>
+                        <a:rPr lang="en-US" sz="1600" dirty="0"/>
                         <a:t> Inhibitor</a:t>
                       </a:r>
                       <a:r>
-                        <a:rPr lang="pl-PL" sz="1600" dirty="0" smtClean="0"/>
+                        <a:rPr lang="pl-PL" sz="1600" dirty="0"/>
                         <a:t> (</a:t>
                       </a:r>
                       <a:r>
-                        <a:rPr lang="pl-PL" sz="1600" dirty="0" err="1" smtClean="0"/>
+                        <a:rPr lang="pl-PL" sz="1600" dirty="0" err="1"/>
                         <a:t>cat</a:t>
                       </a:r>
                       <a:r>
-                        <a:rPr lang="pl-PL" sz="1600" dirty="0" smtClean="0"/>
+                        <a:rPr lang="pl-PL" sz="1600" dirty="0"/>
                         <a:t>. No. 4374966, Applied Biosystem)</a:t>
                       </a:r>
                       <a:endParaRPr lang="en-US" sz="1600" dirty="0"/>
@@ -11555,7 +12734,7 @@
                 </a:tc>
                 <a:extLst>
                   <a:ext uri="{0D108BD9-81ED-4DB2-BD59-A6C34878D82A}">
-                    <a16:rowId xmlns:a16="http://schemas.microsoft.com/office/drawing/2014/main" xmlns="" val="1519525509"/>
+                    <a16:rowId xmlns:a16="http://schemas.microsoft.com/office/drawing/2014/main" val="1519525509"/>
                   </a:ext>
                 </a:extLst>
               </a:tr>
@@ -11576,42 +12755,46 @@
                     <a:lstStyle/>
                     <a:p>
                       <a:r>
-                        <a:rPr lang="en-US" sz="1600" dirty="0" err="1" smtClean="0"/>
+                        <a:rPr lang="en-US" sz="1600" dirty="0" err="1"/>
                         <a:t>Qiagen</a:t>
                       </a:r>
                       <a:r>
-                        <a:rPr lang="en-US" sz="1600" dirty="0" smtClean="0"/>
+                        <a:rPr lang="en-US" sz="1600" dirty="0"/>
                         <a:t> RNA</a:t>
                       </a:r>
                       <a:r>
-                        <a:rPr lang="pl-PL" sz="1600" dirty="0" smtClean="0"/>
+                        <a:rPr lang="pl-PL" sz="1600" dirty="0"/>
                         <a:t> </a:t>
                       </a:r>
                       <a:r>
-                        <a:rPr lang="en-US" sz="1600" dirty="0" smtClean="0"/>
+                        <a:rPr lang="en-US" sz="1600" dirty="0"/>
                         <a:t>mini Kit (</a:t>
                       </a:r>
                       <a:r>
-                        <a:rPr lang="pl-PL" sz="1600" dirty="0" err="1" smtClean="0"/>
+                        <a:rPr lang="pl-PL" sz="1600" dirty="0" err="1"/>
                         <a:t>Cat</a:t>
                       </a:r>
                       <a:r>
-                        <a:rPr lang="pl-PL" sz="1600" dirty="0" smtClean="0"/>
+                        <a:rPr lang="pl-PL" sz="1600" dirty="0"/>
                         <a:t>. No.</a:t>
                       </a:r>
                       <a:r>
-                        <a:rPr lang="pl-PL" sz="1600" baseline="0" dirty="0" smtClean="0"/>
+                        <a:rPr lang="pl-PL" sz="1600" baseline="0" dirty="0"/>
                         <a:t> 74106, </a:t>
                       </a:r>
                       <a:r>
-                        <a:rPr lang="en-US" sz="1600" dirty="0" smtClean="0"/>
+                        <a:rPr lang="en-US" sz="1600" dirty="0"/>
                         <a:t>QIAGEN, CA, USA)</a:t>
                       </a:r>
-                      <a:endParaRPr lang="en-US" sz="1600" dirty="0"/>
                     </a:p>
                   </a:txBody>
                   <a:tcPr/>
                 </a:tc>
+                <a:extLst>
+                  <a:ext uri="{0D108BD9-81ED-4DB2-BD59-A6C34878D82A}">
+                    <a16:rowId xmlns:a16="http://schemas.microsoft.com/office/drawing/2014/main" val="10004"/>
+                  </a:ext>
+                </a:extLst>
               </a:tr>
               <a:tr h="694150">
                 <a:tc>
@@ -11653,27 +12836,27 @@
                     <a:lstStyle/>
                     <a:p>
                       <a:r>
-                        <a:rPr lang="en-US" sz="1600" dirty="0" smtClean="0"/>
+                        <a:rPr lang="en-US" sz="1600" dirty="0"/>
                         <a:t>High-Capacity </a:t>
                       </a:r>
                       <a:r>
-                        <a:rPr lang="en-US" sz="1600" dirty="0" err="1" smtClean="0"/>
+                        <a:rPr lang="en-US" sz="1600" dirty="0" err="1"/>
                         <a:t>cDNA</a:t>
                       </a:r>
                       <a:r>
-                        <a:rPr lang="en-US" sz="1600" dirty="0" smtClean="0"/>
+                        <a:rPr lang="en-US" sz="1600" dirty="0"/>
                         <a:t> Reverse Transcription Kit</a:t>
                       </a:r>
                       <a:r>
-                        <a:rPr lang="pl-PL" sz="1600" dirty="0" smtClean="0"/>
+                        <a:rPr lang="pl-PL" sz="1600" dirty="0"/>
                         <a:t> (</a:t>
                       </a:r>
                       <a:r>
-                        <a:rPr lang="pl-PL" sz="1600" dirty="0" err="1" smtClean="0"/>
+                        <a:rPr lang="pl-PL" sz="1600" dirty="0" err="1"/>
                         <a:t>cat</a:t>
                       </a:r>
                       <a:r>
-                        <a:rPr lang="pl-PL" sz="1600" dirty="0" smtClean="0"/>
+                        <a:rPr lang="pl-PL" sz="1600" dirty="0"/>
                         <a:t>. No. 4368814, Applied Biosystem))</a:t>
                       </a:r>
                       <a:endParaRPr lang="en-US" sz="1600" dirty="0"/>
@@ -11683,7 +12866,7 @@
                 </a:tc>
                 <a:extLst>
                   <a:ext uri="{0D108BD9-81ED-4DB2-BD59-A6C34878D82A}">
-                    <a16:rowId xmlns:a16="http://schemas.microsoft.com/office/drawing/2014/main" xmlns="" val="10005"/>
+                    <a16:rowId xmlns:a16="http://schemas.microsoft.com/office/drawing/2014/main" val="10005"/>
                   </a:ext>
                 </a:extLst>
               </a:tr>
@@ -11718,42 +12901,42 @@
                     </a:p>
                     <a:p>
                       <a:r>
-                        <a:rPr lang="pl-PL" sz="1600" dirty="0" smtClean="0"/>
+                        <a:rPr lang="pl-PL" sz="1600" dirty="0"/>
                         <a:t>KAPA PROBE FAST </a:t>
                       </a:r>
                       <a:r>
-                        <a:rPr lang="pl-PL" sz="1600" dirty="0" err="1" smtClean="0"/>
+                        <a:rPr lang="pl-PL" sz="1600" dirty="0" err="1"/>
                         <a:t>qPCR</a:t>
                       </a:r>
                       <a:r>
-                        <a:rPr lang="pl-PL" sz="1600" dirty="0" smtClean="0"/>
+                        <a:rPr lang="pl-PL" sz="1600" dirty="0"/>
                         <a:t> Kit, ROX (ABI </a:t>
                       </a:r>
                       <a:r>
-                        <a:rPr lang="pl-PL" sz="1600" dirty="0" err="1" smtClean="0"/>
+                        <a:rPr lang="pl-PL" sz="1600" dirty="0" err="1"/>
                         <a:t>Prism</a:t>
                       </a:r>
                       <a:r>
-                        <a:rPr lang="pl-PL" sz="1600" dirty="0" smtClean="0"/>
+                        <a:rPr lang="pl-PL" sz="1600" dirty="0"/>
                         <a:t>®)</a:t>
                       </a:r>
                       <a:r>
-                        <a:rPr lang="pl-PL" sz="1600" baseline="0" dirty="0" smtClean="0"/>
+                        <a:rPr lang="pl-PL" sz="1600" baseline="0" dirty="0"/>
                         <a:t> (</a:t>
                       </a:r>
                       <a:r>
-                        <a:rPr lang="pl-PL" sz="1600" baseline="0" dirty="0" err="1" smtClean="0"/>
+                        <a:rPr lang="pl-PL" sz="1600" baseline="0" dirty="0" err="1"/>
                         <a:t>cat</a:t>
                       </a:r>
                       <a:r>
-                        <a:rPr lang="pl-PL" sz="1600" baseline="0" dirty="0" smtClean="0"/>
+                        <a:rPr lang="pl-PL" sz="1600" baseline="0" dirty="0"/>
                         <a:t>. No. KK4706, Kapa Biosystem)</a:t>
                       </a:r>
-                      <a:endParaRPr lang="pl-PL" sz="1600" dirty="0" smtClean="0"/>
+                      <a:endParaRPr lang="pl-PL" sz="1600" dirty="0"/>
                     </a:p>
                     <a:p>
                       <a:r>
-                        <a:rPr lang="pl-PL" sz="1600" dirty="0" err="1" smtClean="0"/>
+                        <a:rPr lang="pl-PL" sz="1600" dirty="0" err="1"/>
                         <a:t>Probes</a:t>
                       </a:r>
                       <a:r>
@@ -11763,10 +12946,9 @@
                     </a:p>
                     <a:p>
                       <a:r>
-                        <a:rPr lang="pl-PL" sz="1600" dirty="0" smtClean="0"/>
+                        <a:rPr lang="pl-PL" sz="1600" dirty="0"/>
                         <a:t>- hsa-miR-9*</a:t>
                       </a:r>
-                      <a:endParaRPr lang="pl-PL" sz="1600" dirty="0"/>
                     </a:p>
                     <a:p>
                       <a:pPr>
@@ -11774,7 +12956,7 @@
                         <a:buChar char="-"/>
                       </a:pPr>
                       <a:r>
-                        <a:rPr lang="pl-PL" sz="1600" b="1" dirty="0" smtClean="0">
+                        <a:rPr lang="pl-PL" sz="1600" b="1" dirty="0">
                           <a:solidFill>
                             <a:srgbClr val="333333"/>
                           </a:solidFill>
@@ -11788,7 +12970,7 @@
                         <a:buChar char="-"/>
                       </a:pPr>
                       <a:r>
-                        <a:rPr lang="pl-PL" sz="1600" b="1" dirty="0" smtClean="0">
+                        <a:rPr lang="pl-PL" sz="1600" b="1" dirty="0">
                           <a:solidFill>
                             <a:srgbClr val="333333"/>
                           </a:solidFill>
@@ -11802,25 +12984,20 @@
                         <a:buChar char="-"/>
                       </a:pPr>
                       <a:r>
-                        <a:rPr lang="pl-PL" sz="1600" b="1" dirty="0" smtClean="0">
+                        <a:rPr lang="pl-PL" sz="1600" b="1" dirty="0">
                           <a:solidFill>
                             <a:srgbClr val="333333"/>
                           </a:solidFill>
                         </a:rPr>
                         <a:t>a</a:t>
                       </a:r>
-                      <a:endParaRPr lang="pl-PL" sz="1600" b="1" dirty="0">
-                        <a:solidFill>
-                          <a:srgbClr val="333333"/>
-                        </a:solidFill>
-                      </a:endParaRPr>
                     </a:p>
                   </a:txBody>
                   <a:tcPr/>
                 </a:tc>
                 <a:extLst>
                   <a:ext uri="{0D108BD9-81ED-4DB2-BD59-A6C34878D82A}">
-                    <a16:rowId xmlns:a16="http://schemas.microsoft.com/office/drawing/2014/main" xmlns="" val="487944203"/>
+                    <a16:rowId xmlns:a16="http://schemas.microsoft.com/office/drawing/2014/main" val="487944203"/>
                   </a:ext>
                 </a:extLst>
               </a:tr>
@@ -11850,18 +13027,14 @@
                       </a:r>
                       <a:r>
                         <a:rPr lang="pl-PL" sz="1600" dirty="0"/>
-                        <a:t> 13.1, PL</a:t>
-                      </a:r>
-                      <a:r>
-                        <a:rPr lang="pl-PL" sz="1600" dirty="0" smtClean="0"/>
-                        <a:t>. (</a:t>
-                      </a:r>
-                      <a:r>
-                        <a:rPr lang="pl-PL" sz="1600" dirty="0" err="1" smtClean="0"/>
+                        <a:t> 13.1, PL. (</a:t>
+                      </a:r>
+                      <a:r>
+                        <a:rPr lang="pl-PL" sz="1600" dirty="0" err="1"/>
                         <a:t>StatSoft</a:t>
                       </a:r>
                       <a:r>
-                        <a:rPr lang="pl-PL" sz="1600" dirty="0" smtClean="0"/>
+                        <a:rPr lang="pl-PL" sz="1600" dirty="0"/>
                         <a:t> PL)</a:t>
                       </a:r>
                       <a:endParaRPr lang="pl-PL" sz="1600" dirty="0">
@@ -11873,7 +13046,7 @@
                 </a:tc>
                 <a:extLst>
                   <a:ext uri="{0D108BD9-81ED-4DB2-BD59-A6C34878D82A}">
-                    <a16:rowId xmlns:a16="http://schemas.microsoft.com/office/drawing/2014/main" xmlns="" val="4293188632"/>
+                    <a16:rowId xmlns:a16="http://schemas.microsoft.com/office/drawing/2014/main" val="4293188632"/>
                   </a:ext>
                 </a:extLst>
               </a:tr>
@@ -11886,13 +13059,6 @@
   <p:clrMapOvr>
     <a:masterClrMapping/>
   </p:clrMapOvr>
-  <p:timing>
-    <p:tnLst>
-      <p:par>
-        <p:cTn id="1" dur="indefinite" restart="never" nodeType="tmRoot"/>
-      </p:par>
-    </p:tnLst>
-  </p:timing>
 </p:sld>
 </file>
 
@@ -11947,13 +13113,6 @@
   <p:clrMapOvr>
     <a:masterClrMapping/>
   </p:clrMapOvr>
-  <p:timing>
-    <p:tnLst>
-      <p:par>
-        <p:cTn id="1" dur="indefinite" restart="never" nodeType="tmRoot"/>
-      </p:par>
-    </p:tnLst>
-  </p:timing>
 </p:sld>
 </file>
 

--- a/[1.3] Czy-stan-zapalny-ma-wpływ-na-raka-płuca.pptx
+++ b/[1.3] Czy-stan-zapalny-ma-wpływ-na-raka-płuca.pptx
@@ -5255,7 +5255,7 @@
           <a:graphicData uri="http://schemas.openxmlformats.org/presentationml/2006/ole">
             <mc:AlternateContent xmlns:mc="http://schemas.openxmlformats.org/markup-compatibility/2006">
               <mc:Choice xmlns:v="urn:schemas-microsoft-com:vml" Requires="v">
-                <p:oleObj spid="_x0000_s1040" name="Graph" r:id="rId4" imgW="5943600" imgH="4462200" progId="Statistica.Graph">
+                <p:oleObj spid="_x0000_s1054" name="Graph" r:id="rId4" imgW="5943600" imgH="4462200" progId="Statistica.Graph">
                   <p:embed/>
                 </p:oleObj>
               </mc:Choice>
@@ -5524,7 +5524,7 @@
           <a:graphicData uri="http://schemas.openxmlformats.org/presentationml/2006/ole">
             <mc:AlternateContent xmlns:mc="http://schemas.openxmlformats.org/markup-compatibility/2006">
               <mc:Choice xmlns:v="urn:schemas-microsoft-com:vml" Requires="v">
-                <p:oleObj spid="_x0000_s1041" name="Graph" r:id="rId6" imgW="5943600" imgH="4462200" progId="Statistica.Graph">
+                <p:oleObj spid="_x0000_s1055" name="Graph" r:id="rId6" imgW="5943600" imgH="4462200" progId="Statistica.Graph">
                   <p:embed/>
                 </p:oleObj>
               </mc:Choice>
@@ -6071,7 +6071,7 @@
           <a:graphicData uri="http://schemas.openxmlformats.org/presentationml/2006/ole">
             <mc:AlternateContent xmlns:mc="http://schemas.openxmlformats.org/markup-compatibility/2006">
               <mc:Choice xmlns:v="urn:schemas-microsoft-com:vml" Requires="v">
-                <p:oleObj spid="_x0000_s3090" name="Graph" r:id="rId4" imgW="5943600" imgH="4462200" progId="Statistica.Graph">
+                <p:oleObj spid="_x0000_s3104" name="Graph" r:id="rId4" imgW="5943600" imgH="4462200" progId="Statistica.Graph">
                   <p:embed/>
                 </p:oleObj>
               </mc:Choice>
@@ -6153,7 +6153,7 @@
           <a:graphicData uri="http://schemas.openxmlformats.org/presentationml/2006/ole">
             <mc:AlternateContent xmlns:mc="http://schemas.openxmlformats.org/markup-compatibility/2006">
               <mc:Choice xmlns:v="urn:schemas-microsoft-com:vml" Requires="v">
-                <p:oleObj spid="_x0000_s3091" name="Graph" r:id="rId6" imgW="5943600" imgH="4462200" progId="Statistica.Graph">
+                <p:oleObj spid="_x0000_s3105" name="Graph" r:id="rId6" imgW="5943600" imgH="4462200" progId="Statistica.Graph">
                   <p:embed/>
                 </p:oleObj>
               </mc:Choice>
@@ -6396,7 +6396,7 @@
           <a:graphicData uri="http://schemas.openxmlformats.org/presentationml/2006/ole">
             <mc:AlternateContent xmlns:mc="http://schemas.openxmlformats.org/markup-compatibility/2006">
               <mc:Choice xmlns:v="urn:schemas-microsoft-com:vml" Requires="v">
-                <p:oleObj spid="_x0000_s4105" name="Graph" r:id="rId4" imgW="5943600" imgH="4462200" progId="Statistica.Graph">
+                <p:oleObj spid="_x0000_s4112" name="Graph" r:id="rId4" imgW="5943600" imgH="4462200" progId="Statistica.Graph">
                   <p:embed/>
                 </p:oleObj>
               </mc:Choice>
@@ -9451,7 +9451,7 @@
         </p:nvSpPr>
         <p:spPr>
           <a:xfrm>
-            <a:off x="755576" y="5661248"/>
+            <a:off x="730792" y="5903984"/>
             <a:ext cx="2232248" cy="369332"/>
           </a:xfrm>
           <a:prstGeom prst="rect">
@@ -9491,7 +9491,7 @@
           <p:nvPr>
             <p:extLst>
               <p:ext uri="{D42A27DB-BD31-4B8C-83A1-F6EECF244321}">
-                <p14:modId xmlns:p14="http://schemas.microsoft.com/office/powerpoint/2010/main" val="3411605222"/>
+                <p14:modId xmlns:p14="http://schemas.microsoft.com/office/powerpoint/2010/main" val="1852748295"/>
               </p:ext>
             </p:extLst>
           </p:nvPr>
@@ -9673,14 +9673,6 @@
                       </a:r>
                       <a:r>
                         <a:rPr lang="en-GB" dirty="0" err="1"/>
-                        <a:t>okolicznych</a:t>
-                      </a:r>
-                      <a:r>
-                        <a:rPr lang="en-GB" dirty="0"/>
-                        <a:t> </a:t>
-                      </a:r>
-                      <a:r>
-                        <a:rPr lang="en-GB" dirty="0" err="1"/>
                         <a:t>węzłów</a:t>
                       </a:r>
                       <a:endParaRPr lang="en-GB" dirty="0"/>
@@ -9864,14 +9856,14 @@
           <p:nvPr>
             <p:extLst>
               <p:ext uri="{D42A27DB-BD31-4B8C-83A1-F6EECF244321}">
-                <p14:modId xmlns:p14="http://schemas.microsoft.com/office/powerpoint/2010/main" val="916881175"/>
+                <p14:modId xmlns:p14="http://schemas.microsoft.com/office/powerpoint/2010/main" val="1086256808"/>
               </p:ext>
             </p:extLst>
           </p:nvPr>
         </p:nvGraphicFramePr>
         <p:xfrm>
           <a:off x="125018" y="3923856"/>
-          <a:ext cx="3443796" cy="1463040"/>
+          <a:ext cx="3443796" cy="1828800"/>
         </p:xfrm>
         <a:graphic>
           <a:graphicData uri="http://schemas.openxmlformats.org/drawingml/2006/table">
@@ -10029,14 +10021,6 @@
                       </a:r>
                       <a:r>
                         <a:rPr lang="en-GB" dirty="0" err="1"/>
-                        <a:t>dalekich</a:t>
-                      </a:r>
-                      <a:r>
-                        <a:rPr lang="en-GB" dirty="0"/>
-                        <a:t> </a:t>
-                      </a:r>
-                      <a:r>
-                        <a:rPr lang="en-GB" dirty="0" err="1"/>
                         <a:t>przerzutów</a:t>
                       </a:r>
                       <a:endParaRPr lang="en-GB" dirty="0"/>
@@ -10073,15 +10057,7 @@
                       <a:pPr algn="ctr"/>
                       <a:r>
                         <a:rPr lang="en-GB" dirty="0" err="1"/>
-                        <a:t>Dalekie</a:t>
-                      </a:r>
-                      <a:r>
-                        <a:rPr lang="en-GB" dirty="0"/>
-                        <a:t> </a:t>
-                      </a:r>
-                      <a:r>
-                        <a:rPr lang="en-GB" dirty="0" err="1"/>
-                        <a:t>przerzuty</a:t>
+                        <a:t>Przerzuty</a:t>
                       </a:r>
                       <a:endParaRPr lang="en-GB" dirty="0"/>
                     </a:p>
@@ -10091,6 +10067,45 @@
                 <a:extLst>
                   <a:ext uri="{0D108BD9-81ED-4DB2-BD59-A6C34878D82A}">
                     <a16:rowId xmlns:a16="http://schemas.microsoft.com/office/drawing/2014/main" val="2334121157"/>
+                  </a:ext>
+                </a:extLst>
+              </a:tr>
+              <a:tr h="284332">
+                <a:tc>
+                  <a:txBody>
+                    <a:bodyPr/>
+                    <a:lstStyle/>
+                    <a:p>
+                      <a:pPr algn="ctr"/>
+                      <a:r>
+                        <a:rPr lang="en-GB" dirty="0"/>
+                        <a:t>M2</a:t>
+                      </a:r>
+                    </a:p>
+                  </a:txBody>
+                  <a:tcPr anchor="ctr"/>
+                </a:tc>
+                <a:tc>
+                  <a:txBody>
+                    <a:bodyPr/>
+                    <a:lstStyle/>
+                    <a:p>
+                      <a:pPr algn="ctr"/>
+                      <a:r>
+                        <a:rPr lang="en-GB" dirty="0" err="1"/>
+                        <a:t>Przerzuty</a:t>
+                      </a:r>
+                      <a:r>
+                        <a:rPr lang="en-GB" dirty="0"/>
+                        <a:t> do OUN</a:t>
+                      </a:r>
+                    </a:p>
+                  </a:txBody>
+                  <a:tcPr anchor="ctr"/>
+                </a:tc>
+                <a:extLst>
+                  <a:ext uri="{0D108BD9-81ED-4DB2-BD59-A6C34878D82A}">
+                    <a16:rowId xmlns:a16="http://schemas.microsoft.com/office/drawing/2014/main" val="3690942494"/>
                   </a:ext>
                 </a:extLst>
               </a:tr>
@@ -10756,14 +10771,14 @@
           <p:nvPr>
             <p:extLst>
               <p:ext uri="{D42A27DB-BD31-4B8C-83A1-F6EECF244321}">
-                <p14:modId xmlns:p14="http://schemas.microsoft.com/office/powerpoint/2010/main" val="3555883394"/>
+                <p14:modId xmlns:p14="http://schemas.microsoft.com/office/powerpoint/2010/main" val="345225301"/>
               </p:ext>
             </p:extLst>
           </p:nvPr>
         </p:nvGraphicFramePr>
         <p:xfrm>
-          <a:off x="1259632" y="3429000"/>
-          <a:ext cx="6586894" cy="3168352"/>
+          <a:off x="1043608" y="3429000"/>
+          <a:ext cx="7128788" cy="3168352"/>
         </p:xfrm>
         <a:graphic>
           <a:graphicData uri="http://schemas.openxmlformats.org/drawingml/2006/table">
@@ -10772,114 +10787,128 @@
                 <a:tableStyleId>{5DA37D80-6434-44D0-A028-1B22A696006F}</a:tableStyleId>
               </a:tblPr>
               <a:tblGrid>
-                <a:gridCol w="435994">
+                <a:gridCol w="416699">
                   <a:extLst>
                     <a:ext uri="{9D8B030D-6E8A-4147-A177-3AD203B41FA5}">
                       <a16:colId xmlns:a16="http://schemas.microsoft.com/office/drawing/2014/main" val="1693357772"/>
                     </a:ext>
                   </a:extLst>
                 </a:gridCol>
-                <a:gridCol w="435994">
+                <a:gridCol w="416699">
+                  <a:extLst>
+                    <a:ext uri="{9D8B030D-6E8A-4147-A177-3AD203B41FA5}">
+                      <a16:colId xmlns:a16="http://schemas.microsoft.com/office/drawing/2014/main" val="374442443"/>
+                    </a:ext>
+                  </a:extLst>
+                </a:gridCol>
+                <a:gridCol w="416699">
                   <a:extLst>
                     <a:ext uri="{9D8B030D-6E8A-4147-A177-3AD203B41FA5}">
                       <a16:colId xmlns:a16="http://schemas.microsoft.com/office/drawing/2014/main" val="886042104"/>
                     </a:ext>
                   </a:extLst>
                 </a:gridCol>
-                <a:gridCol w="435994">
+                <a:gridCol w="416699">
                   <a:extLst>
                     <a:ext uri="{9D8B030D-6E8A-4147-A177-3AD203B41FA5}">
                       <a16:colId xmlns:a16="http://schemas.microsoft.com/office/drawing/2014/main" val="2648502109"/>
                     </a:ext>
                   </a:extLst>
                 </a:gridCol>
-                <a:gridCol w="435994">
+                <a:gridCol w="416699">
                   <a:extLst>
                     <a:ext uri="{9D8B030D-6E8A-4147-A177-3AD203B41FA5}">
                       <a16:colId xmlns:a16="http://schemas.microsoft.com/office/drawing/2014/main" val="2436883859"/>
                     </a:ext>
                   </a:extLst>
                 </a:gridCol>
-                <a:gridCol w="435994">
+                <a:gridCol w="416699">
                   <a:extLst>
                     <a:ext uri="{9D8B030D-6E8A-4147-A177-3AD203B41FA5}">
                       <a16:colId xmlns:a16="http://schemas.microsoft.com/office/drawing/2014/main" val="2861511621"/>
                     </a:ext>
                   </a:extLst>
                 </a:gridCol>
-                <a:gridCol w="482978">
+                <a:gridCol w="461604">
                   <a:extLst>
                     <a:ext uri="{9D8B030D-6E8A-4147-A177-3AD203B41FA5}">
                       <a16:colId xmlns:a16="http://schemas.microsoft.com/office/drawing/2014/main" val="3537628510"/>
                     </a:ext>
                   </a:extLst>
                 </a:gridCol>
-                <a:gridCol w="435994">
+                <a:gridCol w="416699">
                   <a:extLst>
                     <a:ext uri="{9D8B030D-6E8A-4147-A177-3AD203B41FA5}">
                       <a16:colId xmlns:a16="http://schemas.microsoft.com/office/drawing/2014/main" val="881022842"/>
                     </a:ext>
                   </a:extLst>
                 </a:gridCol>
-                <a:gridCol w="435994">
+                <a:gridCol w="416699">
                   <a:extLst>
                     <a:ext uri="{9D8B030D-6E8A-4147-A177-3AD203B41FA5}">
                       <a16:colId xmlns:a16="http://schemas.microsoft.com/office/drawing/2014/main" val="3370350225"/>
                     </a:ext>
                   </a:extLst>
                 </a:gridCol>
-                <a:gridCol w="435994">
+                <a:gridCol w="416699">
                   <a:extLst>
                     <a:ext uri="{9D8B030D-6E8A-4147-A177-3AD203B41FA5}">
                       <a16:colId xmlns:a16="http://schemas.microsoft.com/office/drawing/2014/main" val="1444410191"/>
                     </a:ext>
                   </a:extLst>
                 </a:gridCol>
-                <a:gridCol w="435994">
+                <a:gridCol w="416699">
                   <a:extLst>
                     <a:ext uri="{9D8B030D-6E8A-4147-A177-3AD203B41FA5}">
                       <a16:colId xmlns:a16="http://schemas.microsoft.com/office/drawing/2014/main" val="4059203491"/>
                     </a:ext>
                   </a:extLst>
                 </a:gridCol>
-                <a:gridCol w="435994">
+                <a:gridCol w="416699">
                   <a:extLst>
                     <a:ext uri="{9D8B030D-6E8A-4147-A177-3AD203B41FA5}">
                       <a16:colId xmlns:a16="http://schemas.microsoft.com/office/drawing/2014/main" val="4204423908"/>
                     </a:ext>
                   </a:extLst>
                 </a:gridCol>
-                <a:gridCol w="435994">
+                <a:gridCol w="416699">
                   <a:extLst>
                     <a:ext uri="{9D8B030D-6E8A-4147-A177-3AD203B41FA5}">
                       <a16:colId xmlns:a16="http://schemas.microsoft.com/office/drawing/2014/main" val="2801729913"/>
                     </a:ext>
                   </a:extLst>
                 </a:gridCol>
-                <a:gridCol w="435994">
+                <a:gridCol w="416699">
                   <a:extLst>
                     <a:ext uri="{9D8B030D-6E8A-4147-A177-3AD203B41FA5}">
                       <a16:colId xmlns:a16="http://schemas.microsoft.com/office/drawing/2014/main" val="1584507648"/>
                     </a:ext>
                   </a:extLst>
                 </a:gridCol>
-                <a:gridCol w="435994">
+                <a:gridCol w="416699">
                   <a:extLst>
                     <a:ext uri="{9D8B030D-6E8A-4147-A177-3AD203B41FA5}">
                       <a16:colId xmlns:a16="http://schemas.microsoft.com/office/drawing/2014/main" val="3347299052"/>
                     </a:ext>
                   </a:extLst>
                 </a:gridCol>
-                <a:gridCol w="435994">
+                <a:gridCol w="416699">
                   <a:extLst>
                     <a:ext uri="{9D8B030D-6E8A-4147-A177-3AD203B41FA5}">
                       <a16:colId xmlns:a16="http://schemas.microsoft.com/office/drawing/2014/main" val="3849346464"/>
                     </a:ext>
                   </a:extLst>
                 </a:gridCol>
+                <a:gridCol w="416699">
+                  <a:extLst>
+                    <a:ext uri="{9D8B030D-6E8A-4147-A177-3AD203B41FA5}">
+                      <a16:colId xmlns:a16="http://schemas.microsoft.com/office/drawing/2014/main" val="3563804931"/>
+                    </a:ext>
+                  </a:extLst>
+                </a:gridCol>
               </a:tblGrid>
               <a:tr h="939895">
-                <a:tc gridSpan="15">
+                <a:tc gridSpan="17">
                   <a:txBody>
                     <a:bodyPr/>
                     <a:lstStyle/>
@@ -10899,6 +10928,16 @@
                     <a:bodyPr/>
                     <a:lstStyle/>
                     <a:p>
+                      <a:endParaRPr lang="en-GB"/>
+                    </a:p>
+                  </a:txBody>
+                  <a:tcPr/>
+                </a:tc>
+                <a:tc hMerge="1">
+                  <a:txBody>
+                    <a:bodyPr/>
+                    <a:lstStyle/>
+                    <a:p>
                       <a:pPr algn="ctr"/>
                       <a:endParaRPr lang="pl-PL" sz="2400" dirty="0"/>
                     </a:p>
@@ -11037,6 +11076,17 @@
                     </a:p>
                   </a:txBody>
                   <a:tcPr/>
+                </a:tc>
+                <a:tc hMerge="1">
+                  <a:txBody>
+                    <a:bodyPr/>
+                    <a:lstStyle/>
+                    <a:p>
+                      <a:pPr algn="ctr"/>
+                      <a:endParaRPr lang="pl-PL" sz="2400" dirty="0"/>
+                    </a:p>
+                  </a:txBody>
+                  <a:tcPr anchor="ctr"/>
                 </a:tc>
                 <a:extLst>
                   <a:ext uri="{0D108BD9-81ED-4DB2-BD59-A6C34878D82A}">
@@ -11045,7 +11095,7 @@
                 </a:extLst>
               </a:tr>
               <a:tr h="742819">
-                <a:tc gridSpan="6">
+                <a:tc gridSpan="7">
                   <a:txBody>
                     <a:bodyPr/>
                     <a:lstStyle/>
@@ -11069,6 +11119,16 @@
                       <a:tailEnd type="none" w="med" len="med"/>
                     </a:lnR>
                   </a:tcPr>
+                </a:tc>
+                <a:tc hMerge="1">
+                  <a:txBody>
+                    <a:bodyPr/>
+                    <a:lstStyle/>
+                    <a:p>
+                      <a:endParaRPr lang="en-GB"/>
+                    </a:p>
+                  </a:txBody>
+                  <a:tcPr/>
                 </a:tc>
                 <a:tc hMerge="1">
                   <a:txBody>
@@ -11212,7 +11272,7 @@
                   </a:txBody>
                   <a:tcPr anchor="ctr"/>
                 </a:tc>
-                <a:tc gridSpan="3">
+                <a:tc gridSpan="4">
                   <a:txBody>
                     <a:bodyPr/>
                     <a:lstStyle/>
@@ -11259,6 +11319,27 @@
                   </a:txBody>
                   <a:tcPr anchor="ctr"/>
                 </a:tc>
+                <a:tc hMerge="1">
+                  <a:txBody>
+                    <a:bodyPr/>
+                    <a:lstStyle/>
+                    <a:p>
+                      <a:pPr algn="ctr"/>
+                      <a:endParaRPr lang="pl-PL" sz="2000" b="1" dirty="0"/>
+                    </a:p>
+                  </a:txBody>
+                  <a:tcPr anchor="ctr">
+                    <a:lnL w="19050" cap="flat" cmpd="sng" algn="ctr">
+                      <a:solidFill>
+                        <a:schemeClr val="tx1"/>
+                      </a:solidFill>
+                      <a:prstDash val="solid"/>
+                      <a:round/>
+                      <a:headEnd type="none" w="med" len="med"/>
+                      <a:tailEnd type="none" w="med" len="med"/>
+                    </a:lnL>
+                  </a:tcPr>
+                </a:tc>
                 <a:extLst>
                   <a:ext uri="{0D108BD9-81ED-4DB2-BD59-A6C34878D82A}">
                     <a16:rowId xmlns:a16="http://schemas.microsoft.com/office/drawing/2014/main" val="2932727270"/>
@@ -11275,6 +11356,21 @@
                       <a:r>
                         <a:rPr lang="en-GB" b="1" dirty="0"/>
                         <a:t>x</a:t>
+                      </a:r>
+                      <a:endParaRPr lang="pl-PL" b="1" dirty="0"/>
+                    </a:p>
+                  </a:txBody>
+                  <a:tcPr anchor="ctr"/>
+                </a:tc>
+                <a:tc>
+                  <a:txBody>
+                    <a:bodyPr/>
+                    <a:lstStyle/>
+                    <a:p>
+                      <a:pPr algn="ctr"/>
+                      <a:r>
+                        <a:rPr lang="en-GB" b="1" dirty="0"/>
+                        <a:t>is</a:t>
                       </a:r>
                       <a:endParaRPr lang="pl-PL" b="1" dirty="0"/>
                     </a:p>
@@ -11528,6 +11624,20 @@
                   </a:txBody>
                   <a:tcPr anchor="ctr"/>
                 </a:tc>
+                <a:tc>
+                  <a:txBody>
+                    <a:bodyPr/>
+                    <a:lstStyle/>
+                    <a:p>
+                      <a:pPr algn="ctr"/>
+                      <a:r>
+                        <a:rPr lang="en-US" b="1" dirty="0"/>
+                        <a:t>2</a:t>
+                      </a:r>
+                    </a:p>
+                  </a:txBody>
+                  <a:tcPr anchor="ctr"/>
+                </a:tc>
                 <a:extLst>
                   <a:ext uri="{0D108BD9-81ED-4DB2-BD59-A6C34878D82A}">
                     <a16:rowId xmlns:a16="http://schemas.microsoft.com/office/drawing/2014/main" val="3838021132"/>
@@ -11535,6 +11645,21 @@
                 </a:extLst>
               </a:tr>
               <a:tr h="742819">
+                <a:tc>
+                  <a:txBody>
+                    <a:bodyPr/>
+                    <a:lstStyle/>
+                    <a:p>
+                      <a:pPr algn="ctr"/>
+                      <a:r>
+                        <a:rPr lang="en-GB" dirty="0"/>
+                        <a:t>0</a:t>
+                      </a:r>
+                      <a:endParaRPr lang="pl-PL" dirty="0"/>
+                    </a:p>
+                  </a:txBody>
+                  <a:tcPr anchor="ctr"/>
+                </a:tc>
                 <a:tc>
                   <a:txBody>
                     <a:bodyPr/>
@@ -11768,6 +11893,20 @@
                       <a:tailEnd type="none" w="med" len="med"/>
                     </a:lnL>
                   </a:tcPr>
+                </a:tc>
+                <a:tc>
+                  <a:txBody>
+                    <a:bodyPr/>
+                    <a:lstStyle/>
+                    <a:p>
+                      <a:pPr algn="ctr"/>
+                      <a:r>
+                        <a:rPr lang="en-US" dirty="0"/>
+                        <a:t>0</a:t>
+                      </a:r>
+                    </a:p>
+                  </a:txBody>
+                  <a:tcPr anchor="ctr"/>
                 </a:tc>
                 <a:tc>
                   <a:txBody>
